--- a/document/讲义（ppt）/0-j2ee应用开发技术-开发入门.pptx
+++ b/document/讲义（ppt）/0-j2ee应用开发技术-开发入门.pptx
@@ -9,14 +9,12 @@
   </p:notesMasterIdLst>
   <p:sldIdLst>
     <p:sldId id="354" r:id="rId3"/>
-    <p:sldId id="535" r:id="rId5"/>
-    <p:sldId id="364" r:id="rId6"/>
-    <p:sldId id="536" r:id="rId7"/>
-    <p:sldId id="396" r:id="rId8"/>
-    <p:sldId id="537" r:id="rId9"/>
-    <p:sldId id="434" r:id="rId10"/>
-    <p:sldId id="538" r:id="rId11"/>
-    <p:sldId id="534" r:id="rId12"/>
+    <p:sldId id="396" r:id="rId5"/>
+    <p:sldId id="536" r:id="rId6"/>
+    <p:sldId id="537" r:id="rId7"/>
+    <p:sldId id="434" r:id="rId8"/>
+    <p:sldId id="538" r:id="rId9"/>
+    <p:sldId id="534" r:id="rId10"/>
   </p:sldIdLst>
   <p:sldSz cx="9144000" cy="5143500" type="screen16x9"/>
   <p:notesSz cx="6858000" cy="9144000"/>
@@ -605,7 +603,7 @@
           <a:bodyPr/>
           <a:lstStyle/>
           <a:p>
-            <a:endParaRPr lang="zh-CN" altLang="en-US" dirty="0"/>
+            <a:endParaRPr lang="zh-CN" altLang="en-US"/>
           </a:p>
         </p:txBody>
       </p:sp>
@@ -854,7 +852,7 @@
           <a:bodyPr/>
           <a:lstStyle/>
           <a:p>
-            <a:endParaRPr lang="zh-CN" altLang="en-US"/>
+            <a:endParaRPr lang="zh-CN" altLang="en-US" dirty="0"/>
           </a:p>
         </p:txBody>
       </p:sp>
@@ -972,89 +970,6 @@
 </file>
 
 <file path=ppt/notesSlides/notesSlide7.xml><?xml version="1.0" encoding="utf-8"?>
-<p:notes xmlns:a="http://schemas.openxmlformats.org/drawingml/2006/main" xmlns:r="http://schemas.openxmlformats.org/officeDocument/2006/relationships" xmlns:p="http://schemas.openxmlformats.org/presentationml/2006/main">
-  <p:cSld>
-    <p:spTree>
-      <p:nvGrpSpPr>
-        <p:cNvPr id="1" name=""/>
-        <p:cNvGrpSpPr/>
-        <p:nvPr/>
-      </p:nvGrpSpPr>
-      <p:grpSpPr>
-        <a:xfrm>
-          <a:off x="0" y="0"/>
-          <a:ext cx="0" cy="0"/>
-          <a:chOff x="0" y="0"/>
-          <a:chExt cx="0" cy="0"/>
-        </a:xfrm>
-      </p:grpSpPr>
-      <p:sp>
-        <p:nvSpPr>
-          <p:cNvPr id="2" name="幻灯片图像占位符 1"/>
-          <p:cNvSpPr>
-            <a:spLocks noGrp="1" noRot="1" noChangeAspect="1"/>
-          </p:cNvSpPr>
-          <p:nvPr>
-            <p:ph type="sldImg"/>
-          </p:nvPr>
-        </p:nvSpPr>
-        <p:spPr>
-          <a:xfrm>
-            <a:off x="685800" y="1143000"/>
-            <a:ext cx="5486400" cy="3086100"/>
-          </a:xfrm>
-        </p:spPr>
-      </p:sp>
-      <p:sp>
-        <p:nvSpPr>
-          <p:cNvPr id="3" name="备注占位符 2"/>
-          <p:cNvSpPr>
-            <a:spLocks noGrp="1"/>
-          </p:cNvSpPr>
-          <p:nvPr>
-            <p:ph type="body" idx="1"/>
-          </p:nvPr>
-        </p:nvSpPr>
-        <p:spPr/>
-        <p:txBody>
-          <a:bodyPr/>
-          <a:lstStyle/>
-          <a:p>
-            <a:endParaRPr lang="zh-CN" altLang="en-US" dirty="0"/>
-          </a:p>
-        </p:txBody>
-      </p:sp>
-      <p:sp>
-        <p:nvSpPr>
-          <p:cNvPr id="4" name="灯片编号占位符 3"/>
-          <p:cNvSpPr>
-            <a:spLocks noGrp="1"/>
-          </p:cNvSpPr>
-          <p:nvPr>
-            <p:ph type="sldNum" sz="quarter" idx="10"/>
-          </p:nvPr>
-        </p:nvSpPr>
-        <p:spPr/>
-        <p:txBody>
-          <a:bodyPr/>
-          <a:lstStyle/>
-          <a:p>
-            <a:fld id="{8927DC7C-EA85-41EA-BE8E-3BC04B9579CE}" type="slidenum">
-              <a:rPr lang="zh-CN" altLang="en-US" smtClean="0"/>
-            </a:fld>
-            <a:endParaRPr lang="zh-CN" altLang="en-US" dirty="0"/>
-          </a:p>
-        </p:txBody>
-      </p:sp>
-    </p:spTree>
-  </p:cSld>
-  <p:clrMapOvr>
-    <a:masterClrMapping/>
-  </p:clrMapOvr>
-</p:notes>
-</file>
-
-<file path=ppt/notesSlides/notesSlide8.xml><?xml version="1.0" encoding="utf-8"?>
 <p:notes xmlns:a="http://schemas.openxmlformats.org/drawingml/2006/main" xmlns:r="http://schemas.openxmlformats.org/officeDocument/2006/relationships" xmlns:p="http://schemas.openxmlformats.org/presentationml/2006/main">
   <p:cSld>
     <p:spTree>
@@ -5297,12 +5212,858 @@
         <p:cNvGrpSpPr/>
         <p:nvPr/>
       </p:nvGrpSpPr>
-      <p:grpSpPr/>
+      <p:grpSpPr>
+        <a:xfrm>
+          <a:off x="0" y="0"/>
+          <a:ext cx="0" cy="0"/>
+          <a:chOff x="0" y="0"/>
+          <a:chExt cx="0" cy="0"/>
+        </a:xfrm>
+      </p:grpSpPr>
+      <p:sp>
+        <p:nvSpPr>
+          <p:cNvPr id="81" name="矩形 3"/>
+          <p:cNvSpPr>
+            <a:spLocks noChangeArrowheads="1"/>
+          </p:cNvSpPr>
+          <p:nvPr/>
+        </p:nvSpPr>
+        <p:spPr bwMode="auto">
+          <a:xfrm>
+            <a:off x="3040380" y="435610"/>
+            <a:ext cx="5026660" cy="744220"/>
+          </a:xfrm>
+          <a:prstGeom prst="rect">
+            <a:avLst/>
+          </a:prstGeom>
+          <a:noFill/>
+          <a:ln>
+            <a:noFill/>
+          </a:ln>
+          <a:extLst>
+            <a:ext uri="{909E8E84-426E-40DD-AFC4-6F175D3DCCD1}">
+              <a14:hiddenFill xmlns:a14="http://schemas.microsoft.com/office/drawing/2010/main">
+                <a:solidFill>
+                  <a:srgbClr val="FFFFFF"/>
+                </a:solidFill>
+              </a14:hiddenFill>
+            </a:ext>
+            <a:ext uri="{91240B29-F687-4F45-9708-019B960494DF}">
+              <a14:hiddenLine xmlns:a14="http://schemas.microsoft.com/office/drawing/2010/main" w="9525">
+                <a:solidFill>
+                  <a:srgbClr val="000000"/>
+                </a:solidFill>
+                <a:miter lim="800000"/>
+                <a:headEnd/>
+                <a:tailEnd/>
+              </a14:hiddenLine>
+            </a:ext>
+          </a:extLst>
+        </p:spPr>
+        <p:txBody>
+          <a:bodyPr wrap="square" lIns="68573" tIns="34287" rIns="68573" bIns="34287">
+            <a:spAutoFit/>
+          </a:bodyPr>
+          <a:lstStyle>
+            <a:lvl1pPr>
+              <a:spcBef>
+                <a:spcPct val="20000"/>
+              </a:spcBef>
+              <a:buFont typeface="Arial" panose="020B0604020202020204" pitchFamily="34" charset="0"/>
+              <a:buChar char="•"/>
+              <a:defRPr sz="3200">
+                <a:solidFill>
+                  <a:schemeClr val="tx1"/>
+                </a:solidFill>
+                <a:latin typeface="微软雅黑" panose="020B0503020204020204" pitchFamily="34" charset="-122"/>
+                <a:ea typeface="微软雅黑" panose="020B0503020204020204" pitchFamily="34" charset="-122"/>
+                <a:sym typeface="Calibri" panose="020F0502020204030204" pitchFamily="34" charset="0"/>
+              </a:defRPr>
+            </a:lvl1pPr>
+            <a:lvl2pPr marL="742950" indent="-285750">
+              <a:spcBef>
+                <a:spcPct val="20000"/>
+              </a:spcBef>
+              <a:buFont typeface="Arial" panose="020B0604020202020204" pitchFamily="34" charset="0"/>
+              <a:buChar char="–"/>
+              <a:defRPr sz="2800">
+                <a:solidFill>
+                  <a:schemeClr val="tx1"/>
+                </a:solidFill>
+                <a:latin typeface="微软雅黑" panose="020B0503020204020204" pitchFamily="34" charset="-122"/>
+                <a:ea typeface="微软雅黑" panose="020B0503020204020204" pitchFamily="34" charset="-122"/>
+                <a:sym typeface="Calibri" panose="020F0502020204030204" pitchFamily="34" charset="0"/>
+              </a:defRPr>
+            </a:lvl2pPr>
+            <a:lvl3pPr marL="1143000" indent="-228600">
+              <a:spcBef>
+                <a:spcPct val="20000"/>
+              </a:spcBef>
+              <a:buFont typeface="Arial" panose="020B0604020202020204" pitchFamily="34" charset="0"/>
+              <a:buChar char="•"/>
+              <a:defRPr sz="2400">
+                <a:solidFill>
+                  <a:schemeClr val="tx1"/>
+                </a:solidFill>
+                <a:latin typeface="微软雅黑" panose="020B0503020204020204" pitchFamily="34" charset="-122"/>
+                <a:ea typeface="微软雅黑" panose="020B0503020204020204" pitchFamily="34" charset="-122"/>
+                <a:sym typeface="Calibri" panose="020F0502020204030204" pitchFamily="34" charset="0"/>
+              </a:defRPr>
+            </a:lvl3pPr>
+            <a:lvl4pPr marL="1600200" indent="-228600">
+              <a:spcBef>
+                <a:spcPct val="20000"/>
+              </a:spcBef>
+              <a:buFont typeface="Arial" panose="020B0604020202020204" pitchFamily="34" charset="0"/>
+              <a:buChar char="–"/>
+              <a:defRPr sz="2000">
+                <a:solidFill>
+                  <a:schemeClr val="tx1"/>
+                </a:solidFill>
+                <a:latin typeface="微软雅黑" panose="020B0503020204020204" pitchFamily="34" charset="-122"/>
+                <a:ea typeface="微软雅黑" panose="020B0503020204020204" pitchFamily="34" charset="-122"/>
+                <a:sym typeface="Calibri" panose="020F0502020204030204" pitchFamily="34" charset="0"/>
+              </a:defRPr>
+            </a:lvl4pPr>
+            <a:lvl5pPr marL="2057400" indent="-228600">
+              <a:spcBef>
+                <a:spcPct val="20000"/>
+              </a:spcBef>
+              <a:buFont typeface="Arial" panose="020B0604020202020204" pitchFamily="34" charset="0"/>
+              <a:buChar char="»"/>
+              <a:defRPr sz="2000">
+                <a:solidFill>
+                  <a:schemeClr val="tx1"/>
+                </a:solidFill>
+                <a:latin typeface="微软雅黑" panose="020B0503020204020204" pitchFamily="34" charset="-122"/>
+                <a:ea typeface="微软雅黑" panose="020B0503020204020204" pitchFamily="34" charset="-122"/>
+                <a:sym typeface="Calibri" panose="020F0502020204030204" pitchFamily="34" charset="0"/>
+              </a:defRPr>
+            </a:lvl5pPr>
+            <a:lvl6pPr marL="2514600" indent="-228600" eaLnBrk="0" fontAlgn="base" hangingPunct="0">
+              <a:spcBef>
+                <a:spcPct val="20000"/>
+              </a:spcBef>
+              <a:spcAft>
+                <a:spcPct val="0"/>
+              </a:spcAft>
+              <a:buFont typeface="Arial" panose="020B0604020202020204" pitchFamily="34" charset="0"/>
+              <a:buChar char="»"/>
+              <a:defRPr sz="2000">
+                <a:solidFill>
+                  <a:schemeClr val="tx1"/>
+                </a:solidFill>
+                <a:latin typeface="微软雅黑" panose="020B0503020204020204" pitchFamily="34" charset="-122"/>
+                <a:ea typeface="微软雅黑" panose="020B0503020204020204" pitchFamily="34" charset="-122"/>
+                <a:sym typeface="Calibri" panose="020F0502020204030204" pitchFamily="34" charset="0"/>
+              </a:defRPr>
+            </a:lvl6pPr>
+            <a:lvl7pPr marL="2971800" indent="-228600" eaLnBrk="0" fontAlgn="base" hangingPunct="0">
+              <a:spcBef>
+                <a:spcPct val="20000"/>
+              </a:spcBef>
+              <a:spcAft>
+                <a:spcPct val="0"/>
+              </a:spcAft>
+              <a:buFont typeface="Arial" panose="020B0604020202020204" pitchFamily="34" charset="0"/>
+              <a:buChar char="»"/>
+              <a:defRPr sz="2000">
+                <a:solidFill>
+                  <a:schemeClr val="tx1"/>
+                </a:solidFill>
+                <a:latin typeface="微软雅黑" panose="020B0503020204020204" pitchFamily="34" charset="-122"/>
+                <a:ea typeface="微软雅黑" panose="020B0503020204020204" pitchFamily="34" charset="-122"/>
+                <a:sym typeface="Calibri" panose="020F0502020204030204" pitchFamily="34" charset="0"/>
+              </a:defRPr>
+            </a:lvl7pPr>
+            <a:lvl8pPr marL="3429000" indent="-228600" eaLnBrk="0" fontAlgn="base" hangingPunct="0">
+              <a:spcBef>
+                <a:spcPct val="20000"/>
+              </a:spcBef>
+              <a:spcAft>
+                <a:spcPct val="0"/>
+              </a:spcAft>
+              <a:buFont typeface="Arial" panose="020B0604020202020204" pitchFamily="34" charset="0"/>
+              <a:buChar char="»"/>
+              <a:defRPr sz="2000">
+                <a:solidFill>
+                  <a:schemeClr val="tx1"/>
+                </a:solidFill>
+                <a:latin typeface="微软雅黑" panose="020B0503020204020204" pitchFamily="34" charset="-122"/>
+                <a:ea typeface="微软雅黑" panose="020B0503020204020204" pitchFamily="34" charset="-122"/>
+                <a:sym typeface="Calibri" panose="020F0502020204030204" pitchFamily="34" charset="0"/>
+              </a:defRPr>
+            </a:lvl8pPr>
+            <a:lvl9pPr marL="3886200" indent="-228600" eaLnBrk="0" fontAlgn="base" hangingPunct="0">
+              <a:spcBef>
+                <a:spcPct val="20000"/>
+              </a:spcBef>
+              <a:spcAft>
+                <a:spcPct val="0"/>
+              </a:spcAft>
+              <a:buFont typeface="Arial" panose="020B0604020202020204" pitchFamily="34" charset="0"/>
+              <a:buChar char="»"/>
+              <a:defRPr sz="2000">
+                <a:solidFill>
+                  <a:schemeClr val="tx1"/>
+                </a:solidFill>
+                <a:latin typeface="微软雅黑" panose="020B0503020204020204" pitchFamily="34" charset="-122"/>
+                <a:ea typeface="微软雅黑" panose="020B0503020204020204" pitchFamily="34" charset="-122"/>
+                <a:sym typeface="Calibri" panose="020F0502020204030204" pitchFamily="34" charset="0"/>
+              </a:defRPr>
+            </a:lvl9pPr>
+          </a:lstStyle>
+          <a:p>
+            <a:pPr algn="l">
+              <a:spcBef>
+                <a:spcPct val="0"/>
+              </a:spcBef>
+              <a:buNone/>
+            </a:pPr>
+            <a:r>
+              <a:rPr lang="zh-CN" altLang="en-US" sz="2200" spc="225" dirty="0">
+                <a:solidFill>
+                  <a:schemeClr val="bg1"/>
+                </a:solidFill>
+                <a:sym typeface="+mn-ea"/>
+              </a:rPr>
+              <a:t>为什么用</a:t>
+            </a:r>
+            <a:r>
+              <a:rPr lang="en-US" altLang="zh-CN" sz="2200" spc="225" dirty="0">
+                <a:solidFill>
+                  <a:schemeClr val="bg1"/>
+                </a:solidFill>
+                <a:sym typeface="+mn-ea"/>
+              </a:rPr>
+              <a:t>springboot</a:t>
+            </a:r>
+            <a:endParaRPr lang="zh-CN" altLang="en-US" sz="2200" spc="225" dirty="0">
+              <a:solidFill>
+                <a:schemeClr val="bg1"/>
+              </a:solidFill>
+              <a:latin typeface="微软雅黑" panose="020B0503020204020204" pitchFamily="34" charset="-122"/>
+              <a:ea typeface="微软雅黑" panose="020B0503020204020204" pitchFamily="34" charset="-122"/>
+            </a:endParaRPr>
+          </a:p>
+          <a:p>
+            <a:pPr algn="l">
+              <a:spcBef>
+                <a:spcPct val="0"/>
+              </a:spcBef>
+              <a:buNone/>
+            </a:pPr>
+            <a:endParaRPr lang="zh-CN" altLang="en-US" sz="2200" dirty="0">
+              <a:solidFill>
+                <a:schemeClr val="bg1"/>
+              </a:solidFill>
+              <a:sym typeface="+mn-ea"/>
+            </a:endParaRPr>
+          </a:p>
+        </p:txBody>
+      </p:sp>
+      <p:grpSp>
+        <p:nvGrpSpPr>
+          <p:cNvPr id="82" name="组合 81"/>
+          <p:cNvGrpSpPr/>
+          <p:nvPr/>
+        </p:nvGrpSpPr>
+        <p:grpSpPr>
+          <a:xfrm>
+            <a:off x="2447297" y="435917"/>
+            <a:ext cx="197506" cy="296260"/>
+            <a:chOff x="5284519" y="1508166"/>
+            <a:chExt cx="213756" cy="427512"/>
+          </a:xfrm>
+        </p:grpSpPr>
+        <p:cxnSp>
+          <p:nvCxnSpPr>
+            <p:cNvPr id="83" name="直接连接符 82"/>
+            <p:cNvCxnSpPr/>
+            <p:nvPr/>
+          </p:nvCxnSpPr>
+          <p:spPr>
+            <a:xfrm>
+              <a:off x="5284519" y="1508166"/>
+              <a:ext cx="213756" cy="213756"/>
+            </a:xfrm>
+            <a:prstGeom prst="line">
+              <a:avLst/>
+            </a:prstGeom>
+            <a:ln w="19050">
+              <a:solidFill>
+                <a:schemeClr val="bg1"/>
+              </a:solidFill>
+              <a:headEnd type="oval" w="med" len="med"/>
+              <a:tailEnd type="oval" w="lg" len="lg"/>
+            </a:ln>
+          </p:spPr>
+          <p:style>
+            <a:lnRef idx="1">
+              <a:schemeClr val="accent1"/>
+            </a:lnRef>
+            <a:fillRef idx="0">
+              <a:schemeClr val="accent1"/>
+            </a:fillRef>
+            <a:effectRef idx="0">
+              <a:schemeClr val="accent1"/>
+            </a:effectRef>
+            <a:fontRef idx="minor">
+              <a:schemeClr val="tx1"/>
+            </a:fontRef>
+          </p:style>
+        </p:cxnSp>
+        <p:cxnSp>
+          <p:nvCxnSpPr>
+            <p:cNvPr id="84" name="直接连接符 83"/>
+            <p:cNvCxnSpPr/>
+            <p:nvPr/>
+          </p:nvCxnSpPr>
+          <p:spPr>
+            <a:xfrm flipH="1">
+              <a:off x="5284519" y="1721922"/>
+              <a:ext cx="213756" cy="213756"/>
+            </a:xfrm>
+            <a:prstGeom prst="line">
+              <a:avLst/>
+            </a:prstGeom>
+            <a:ln w="19050">
+              <a:solidFill>
+                <a:schemeClr val="bg1"/>
+              </a:solidFill>
+              <a:headEnd type="oval" w="med" len="med"/>
+              <a:tailEnd type="oval" w="lg" len="lg"/>
+            </a:ln>
+          </p:spPr>
+          <p:style>
+            <a:lnRef idx="1">
+              <a:schemeClr val="accent1"/>
+            </a:lnRef>
+            <a:fillRef idx="0">
+              <a:schemeClr val="accent1"/>
+            </a:fillRef>
+            <a:effectRef idx="0">
+              <a:schemeClr val="accent1"/>
+            </a:effectRef>
+            <a:fontRef idx="minor">
+              <a:schemeClr val="tx1"/>
+            </a:fontRef>
+          </p:style>
+        </p:cxnSp>
+      </p:grpSp>
+      <p:sp>
+        <p:nvSpPr>
+          <p:cNvPr id="93" name="TextBox 53"/>
+          <p:cNvSpPr txBox="1"/>
+          <p:nvPr/>
+        </p:nvSpPr>
+        <p:spPr>
+          <a:xfrm>
+            <a:off x="481965" y="1301750"/>
+            <a:ext cx="5349875" cy="1198880"/>
+          </a:xfrm>
+          <a:prstGeom prst="rect">
+            <a:avLst/>
+          </a:prstGeom>
+          <a:noFill/>
+          <a:ln>
+            <a:noFill/>
+            <a:prstDash val="sysDash"/>
+          </a:ln>
+        </p:spPr>
+        <p:txBody>
+          <a:bodyPr wrap="square" rtlCol="0">
+            <a:spAutoFit/>
+          </a:bodyPr>
+          <a:lstStyle/>
+          <a:p>
+            <a:pPr lvl="0" indent="-457200">
+              <a:buFont typeface="Wingdings" panose="05000000000000000000" charset="0"/>
+              <a:buNone/>
+            </a:pPr>
+            <a:r>
+              <a:rPr lang="en-US" altLang="zh-CN" sz="1800" dirty="0">
+                <a:solidFill>
+                  <a:schemeClr val="bg1"/>
+                </a:solidFill>
+                <a:sym typeface="+mn-ea"/>
+              </a:rPr>
+              <a:t> </a:t>
+            </a:r>
+            <a:r>
+              <a:rPr lang="zh-CN" altLang="en-US" sz="1800" spc="225" dirty="0">
+                <a:solidFill>
+                  <a:schemeClr val="bg1"/>
+                </a:solidFill>
+                <a:sym typeface="+mn-ea"/>
+              </a:rPr>
+              <a:t>为什么用</a:t>
+            </a:r>
+            <a:r>
+              <a:rPr lang="en-US" altLang="zh-CN" sz="1800" spc="225" dirty="0">
+                <a:solidFill>
+                  <a:schemeClr val="bg1"/>
+                </a:solidFill>
+                <a:sym typeface="+mn-ea"/>
+              </a:rPr>
+              <a:t>springboot</a:t>
+            </a:r>
+            <a:r>
+              <a:rPr lang="zh-CN" altLang="en-US" sz="1800" spc="225" dirty="0">
+                <a:solidFill>
+                  <a:schemeClr val="bg1"/>
+                </a:solidFill>
+                <a:sym typeface="+mn-ea"/>
+              </a:rPr>
+              <a:t>：</a:t>
+            </a:r>
+            <a:endParaRPr lang="zh-CN" altLang="en-US" sz="1800" spc="225" dirty="0">
+              <a:solidFill>
+                <a:schemeClr val="bg1"/>
+              </a:solidFill>
+              <a:latin typeface="微软雅黑" panose="020B0503020204020204" pitchFamily="34" charset="-122"/>
+              <a:ea typeface="微软雅黑" panose="020B0503020204020204" pitchFamily="34" charset="-122"/>
+            </a:endParaRPr>
+          </a:p>
+          <a:p>
+            <a:pPr lvl="0" indent="-457200">
+              <a:buFont typeface="Wingdings" panose="05000000000000000000" charset="0"/>
+              <a:buNone/>
+            </a:pPr>
+            <a:r>
+              <a:rPr lang="zh-CN" altLang="en-US" sz="1800" dirty="0">
+                <a:solidFill>
+                  <a:schemeClr val="bg1"/>
+                </a:solidFill>
+                <a:sym typeface="+mn-ea"/>
+              </a:rPr>
+              <a:t>一句话，有用。</a:t>
+            </a:r>
+            <a:r>
+              <a:rPr lang="en-US" altLang="zh-CN" sz="1800" dirty="0">
+                <a:solidFill>
+                  <a:schemeClr val="bg1"/>
+                </a:solidFill>
+                <a:sym typeface="+mn-ea"/>
+              </a:rPr>
+              <a:t>javaee</a:t>
+            </a:r>
+            <a:r>
+              <a:rPr lang="zh-CN" altLang="en-US" sz="1800" dirty="0">
+                <a:solidFill>
+                  <a:schemeClr val="bg1"/>
+                </a:solidFill>
+                <a:sym typeface="+mn-ea"/>
+              </a:rPr>
+              <a:t>官方框架早已没人用。其他开源框架被淘汰；老的</a:t>
+            </a:r>
+            <a:r>
+              <a:rPr lang="en-US" altLang="zh-CN" sz="1800" dirty="0">
+                <a:solidFill>
+                  <a:schemeClr val="bg1"/>
+                </a:solidFill>
+                <a:sym typeface="+mn-ea"/>
+              </a:rPr>
+              <a:t>spring</a:t>
+            </a:r>
+            <a:r>
+              <a:rPr lang="zh-CN" altLang="en-US" sz="1800" dirty="0">
+                <a:solidFill>
+                  <a:schemeClr val="bg1"/>
+                </a:solidFill>
+                <a:sym typeface="+mn-ea"/>
+              </a:rPr>
+              <a:t>配置方式被放弃。</a:t>
+            </a:r>
+            <a:endParaRPr lang="zh-CN" altLang="en-US" sz="1800" dirty="0">
+              <a:solidFill>
+                <a:schemeClr val="bg1"/>
+              </a:solidFill>
+              <a:sym typeface="+mn-ea"/>
+            </a:endParaRPr>
+          </a:p>
+          <a:p>
+            <a:pPr marL="800100" lvl="1" indent="-457200">
+              <a:buFont typeface="Wingdings" panose="05000000000000000000" charset="0"/>
+              <a:buNone/>
+            </a:pPr>
+            <a:endParaRPr lang="zh-CN" altLang="en-US" sz="1800" dirty="0">
+              <a:solidFill>
+                <a:schemeClr val="bg1"/>
+              </a:solidFill>
+              <a:sym typeface="+mn-ea"/>
+            </a:endParaRPr>
+          </a:p>
+        </p:txBody>
+      </p:sp>
+      <p:sp>
+        <p:nvSpPr>
+          <p:cNvPr id="2" name="TextBox 53"/>
+          <p:cNvSpPr txBox="1"/>
+          <p:nvPr/>
+        </p:nvSpPr>
+        <p:spPr>
+          <a:xfrm>
+            <a:off x="3263900" y="3070225"/>
+            <a:ext cx="5349875" cy="1198880"/>
+          </a:xfrm>
+          <a:prstGeom prst="rect">
+            <a:avLst/>
+          </a:prstGeom>
+          <a:noFill/>
+          <a:ln>
+            <a:noFill/>
+            <a:prstDash val="sysDash"/>
+          </a:ln>
+        </p:spPr>
+        <p:txBody>
+          <a:bodyPr wrap="square" rtlCol="0">
+            <a:spAutoFit/>
+          </a:bodyPr>
+          <a:p>
+            <a:pPr marL="800100" lvl="1" indent="-457200">
+              <a:buFont typeface="Arial" panose="020B0604020202020204" pitchFamily="34" charset="0"/>
+              <a:buChar char="•"/>
+            </a:pPr>
+            <a:r>
+              <a:rPr lang="zh-CN" altLang="en-US" sz="1800" dirty="0">
+                <a:solidFill>
+                  <a:schemeClr val="bg1"/>
+                </a:solidFill>
+                <a:sym typeface="+mn-ea"/>
+              </a:rPr>
+              <a:t>容器和组件，多层</a:t>
+            </a:r>
+            <a:r>
+              <a:rPr lang="zh-CN" altLang="en-US" sz="1800" dirty="0">
+                <a:solidFill>
+                  <a:schemeClr val="bg1"/>
+                </a:solidFill>
+                <a:sym typeface="+mn-ea"/>
+              </a:rPr>
+              <a:t>结构</a:t>
+            </a:r>
+            <a:endParaRPr lang="zh-CN" altLang="en-US" sz="1800" dirty="0">
+              <a:solidFill>
+                <a:schemeClr val="bg1"/>
+              </a:solidFill>
+              <a:sym typeface="+mn-ea"/>
+            </a:endParaRPr>
+          </a:p>
+          <a:p>
+            <a:pPr marL="800100" lvl="1" indent="-457200">
+              <a:buFont typeface="Arial" panose="020B0604020202020204" pitchFamily="34" charset="0"/>
+              <a:buChar char="•"/>
+            </a:pPr>
+            <a:r>
+              <a:rPr lang="zh-CN" altLang="en-US" sz="1800" dirty="0">
+                <a:solidFill>
+                  <a:schemeClr val="bg1"/>
+                </a:solidFill>
+                <a:sym typeface="+mn-ea"/>
+              </a:rPr>
+              <a:t>持久层</a:t>
+            </a:r>
+            <a:r>
+              <a:rPr lang="en-US" altLang="zh-CN" sz="1800" dirty="0">
+                <a:solidFill>
+                  <a:schemeClr val="bg1"/>
+                </a:solidFill>
+                <a:sym typeface="+mn-ea"/>
+              </a:rPr>
+              <a:t>-</a:t>
+            </a:r>
+            <a:r>
+              <a:rPr lang="en-US" altLang="zh-CN" sz="1800" dirty="0">
+                <a:solidFill>
+                  <a:schemeClr val="bg1"/>
+                </a:solidFill>
+                <a:sym typeface="+mn-ea"/>
+              </a:rPr>
+              <a:t>JPA</a:t>
+            </a:r>
+            <a:endParaRPr lang="en-US" altLang="zh-CN" sz="1800" dirty="0">
+              <a:solidFill>
+                <a:schemeClr val="bg1"/>
+              </a:solidFill>
+              <a:sym typeface="+mn-ea"/>
+            </a:endParaRPr>
+          </a:p>
+          <a:p>
+            <a:pPr marL="800100" lvl="1" indent="-457200">
+              <a:buFont typeface="Arial" panose="020B0604020202020204" pitchFamily="34" charset="0"/>
+              <a:buChar char="•"/>
+            </a:pPr>
+            <a:r>
+              <a:rPr lang="zh-CN" altLang="en-US" sz="1800" dirty="0">
+                <a:solidFill>
+                  <a:schemeClr val="bg1"/>
+                </a:solidFill>
+                <a:sym typeface="+mn-ea"/>
+              </a:rPr>
+              <a:t>访问控制与</a:t>
+            </a:r>
+            <a:r>
+              <a:rPr lang="zh-CN" altLang="en-US" sz="1800" dirty="0">
+                <a:solidFill>
+                  <a:schemeClr val="bg1"/>
+                </a:solidFill>
+                <a:sym typeface="+mn-ea"/>
+              </a:rPr>
+              <a:t>安全</a:t>
+            </a:r>
+            <a:endParaRPr lang="zh-CN" altLang="en-US" sz="1800" dirty="0">
+              <a:solidFill>
+                <a:schemeClr val="bg1"/>
+              </a:solidFill>
+              <a:sym typeface="+mn-ea"/>
+            </a:endParaRPr>
+          </a:p>
+          <a:p>
+            <a:pPr marL="800100" lvl="1" indent="-457200">
+              <a:buFont typeface="Arial" panose="020B0604020202020204" pitchFamily="34" charset="0"/>
+              <a:buChar char="•"/>
+            </a:pPr>
+            <a:r>
+              <a:rPr lang="zh-CN" altLang="en-US" sz="1800" dirty="0">
+                <a:solidFill>
+                  <a:schemeClr val="bg1"/>
+                </a:solidFill>
+                <a:sym typeface="+mn-ea"/>
+              </a:rPr>
+              <a:t>综合案例</a:t>
+            </a:r>
+            <a:endParaRPr lang="zh-CN" altLang="en-US" sz="1800" dirty="0">
+              <a:solidFill>
+                <a:schemeClr val="bg1"/>
+              </a:solidFill>
+              <a:sym typeface="+mn-ea"/>
+            </a:endParaRPr>
+          </a:p>
+        </p:txBody>
+      </p:sp>
     </p:spTree>
   </p:cSld>
   <p:clrMapOvr>
     <a:masterClrMapping/>
   </p:clrMapOvr>
+  <mc:AlternateContent xmlns:mc="http://schemas.openxmlformats.org/markup-compatibility/2006">
+    <mc:Choice xmlns:p14="http://schemas.microsoft.com/office/powerpoint/2010/main" Requires="p14">
+      <p:transition spd="slow" p14:dur="1200">
+        <p14:prism/>
+      </p:transition>
+    </mc:Choice>
+    <mc:Fallback>
+      <p:transition spd="slow">
+        <p:fade/>
+      </p:transition>
+    </mc:Fallback>
+  </mc:AlternateContent>
+  <p:timing>
+    <p:tnLst>
+      <p:par>
+        <p:cTn id="1" dur="indefinite" restart="never" nodeType="tmRoot">
+          <p:childTnLst>
+            <p:seq concurrent="1" nextAc="seek">
+              <p:cTn id="2" dur="indefinite" nodeType="mainSeq">
+                <p:childTnLst>
+                  <p:par>
+                    <p:cTn id="3" fill="hold">
+                      <p:stCondLst>
+                        <p:cond delay="indefinite"/>
+                        <p:cond evt="onBegin" delay="0">
+                          <p:tn val="2"/>
+                        </p:cond>
+                      </p:stCondLst>
+                      <p:childTnLst>
+                        <p:par>
+                          <p:cTn id="4" fill="hold">
+                            <p:stCondLst>
+                              <p:cond delay="0"/>
+                            </p:stCondLst>
+                            <p:childTnLst>
+                              <p:par>
+                                <p:cTn id="5" presetID="10" presetClass="entr" presetSubtype="0" fill="hold" nodeType="afterEffect">
+                                  <p:stCondLst>
+                                    <p:cond delay="0"/>
+                                  </p:stCondLst>
+                                  <p:childTnLst>
+                                    <p:set>
+                                      <p:cBhvr>
+                                        <p:cTn id="6" dur="1" fill="hold">
+                                          <p:stCondLst>
+                                            <p:cond delay="0"/>
+                                          </p:stCondLst>
+                                        </p:cTn>
+                                        <p:tgtEl>
+                                          <p:spTgt spid="82"/>
+                                        </p:tgtEl>
+                                        <p:attrNameLst>
+                                          <p:attrName>style.visibility</p:attrName>
+                                        </p:attrNameLst>
+                                      </p:cBhvr>
+                                      <p:to>
+                                        <p:strVal val="visible"/>
+                                      </p:to>
+                                    </p:set>
+                                    <p:animEffect transition="in" filter="fade">
+                                      <p:cBhvr>
+                                        <p:cTn id="7" dur="500"/>
+                                        <p:tgtEl>
+                                          <p:spTgt spid="82"/>
+                                        </p:tgtEl>
+                                      </p:cBhvr>
+                                    </p:animEffect>
+                                  </p:childTnLst>
+                                </p:cTn>
+                              </p:par>
+                            </p:childTnLst>
+                          </p:cTn>
+                        </p:par>
+                        <p:par>
+                          <p:cTn id="8" fill="hold">
+                            <p:stCondLst>
+                              <p:cond delay="500"/>
+                            </p:stCondLst>
+                            <p:childTnLst>
+                              <p:par>
+                                <p:cTn id="9" presetID="22" presetClass="entr" presetSubtype="8" fill="hold" grpId="0" nodeType="afterEffect">
+                                  <p:stCondLst>
+                                    <p:cond delay="0"/>
+                                  </p:stCondLst>
+                                  <p:childTnLst>
+                                    <p:set>
+                                      <p:cBhvr>
+                                        <p:cTn id="10" dur="1" fill="hold">
+                                          <p:stCondLst>
+                                            <p:cond delay="0"/>
+                                          </p:stCondLst>
+                                        </p:cTn>
+                                        <p:tgtEl>
+                                          <p:spTgt spid="81"/>
+                                        </p:tgtEl>
+                                        <p:attrNameLst>
+                                          <p:attrName>style.visibility</p:attrName>
+                                        </p:attrNameLst>
+                                      </p:cBhvr>
+                                      <p:to>
+                                        <p:strVal val="visible"/>
+                                      </p:to>
+                                    </p:set>
+                                    <p:animEffect transition="in" filter="wipe(left)">
+                                      <p:cBhvr>
+                                        <p:cTn id="11" dur="500"/>
+                                        <p:tgtEl>
+                                          <p:spTgt spid="81"/>
+                                        </p:tgtEl>
+                                      </p:cBhvr>
+                                    </p:animEffect>
+                                  </p:childTnLst>
+                                </p:cTn>
+                              </p:par>
+                              <p:par>
+                                <p:cTn id="12" presetID="22" presetClass="entr" presetSubtype="8" fill="hold" grpId="0" nodeType="withEffect">
+                                  <p:stCondLst>
+                                    <p:cond delay="750"/>
+                                  </p:stCondLst>
+                                  <p:childTnLst>
+                                    <p:set>
+                                      <p:cBhvr>
+                                        <p:cTn id="13" dur="1" fill="hold">
+                                          <p:stCondLst>
+                                            <p:cond delay="0"/>
+                                          </p:stCondLst>
+                                        </p:cTn>
+                                        <p:tgtEl>
+                                          <p:spTgt spid="93"/>
+                                        </p:tgtEl>
+                                        <p:attrNameLst>
+                                          <p:attrName>style.visibility</p:attrName>
+                                        </p:attrNameLst>
+                                      </p:cBhvr>
+                                      <p:to>
+                                        <p:strVal val="visible"/>
+                                      </p:to>
+                                    </p:set>
+                                    <p:animEffect transition="in" filter="wipe(left)">
+                                      <p:cBhvr>
+                                        <p:cTn id="14" dur="500"/>
+                                        <p:tgtEl>
+                                          <p:spTgt spid="93"/>
+                                        </p:tgtEl>
+                                      </p:cBhvr>
+                                    </p:animEffect>
+                                  </p:childTnLst>
+                                </p:cTn>
+                              </p:par>
+                              <p:par>
+                                <p:cTn id="15" presetID="22" presetClass="entr" presetSubtype="8" fill="hold" grpId="0" nodeType="withEffect">
+                                  <p:stCondLst>
+                                    <p:cond delay="750"/>
+                                  </p:stCondLst>
+                                  <p:childTnLst>
+                                    <p:set>
+                                      <p:cBhvr>
+                                        <p:cTn id="16" dur="1" fill="hold">
+                                          <p:stCondLst>
+                                            <p:cond delay="0"/>
+                                          </p:stCondLst>
+                                        </p:cTn>
+                                        <p:tgtEl>
+                                          <p:spTgt spid="2"/>
+                                        </p:tgtEl>
+                                        <p:attrNameLst>
+                                          <p:attrName>style.visibility</p:attrName>
+                                        </p:attrNameLst>
+                                      </p:cBhvr>
+                                      <p:to>
+                                        <p:strVal val="visible"/>
+                                      </p:to>
+                                    </p:set>
+                                    <p:animEffect transition="in" filter="wipe(left)">
+                                      <p:cBhvr>
+                                        <p:cTn id="17" dur="500"/>
+                                        <p:tgtEl>
+                                          <p:spTgt spid="2"/>
+                                        </p:tgtEl>
+                                      </p:cBhvr>
+                                    </p:animEffect>
+                                  </p:childTnLst>
+                                </p:cTn>
+                              </p:par>
+                            </p:childTnLst>
+                          </p:cTn>
+                        </p:par>
+                      </p:childTnLst>
+                    </p:cTn>
+                  </p:par>
+                </p:childTnLst>
+              </p:cTn>
+              <p:prevCondLst>
+                <p:cond evt="onPrev" delay="0">
+                  <p:tgtEl>
+                    <p:sldTgt/>
+                  </p:tgtEl>
+                </p:cond>
+              </p:prevCondLst>
+              <p:nextCondLst>
+                <p:cond evt="onNext" delay="0">
+                  <p:tgtEl>
+                    <p:sldTgt/>
+                  </p:tgtEl>
+                </p:cond>
+              </p:nextCondLst>
+            </p:seq>
+          </p:childTnLst>
+        </p:cTn>
+      </p:par>
+    </p:tnLst>
+    <p:bldLst>
+      <p:bldP spid="81" grpId="0"/>
+      <p:bldP spid="93" grpId="0"/>
+      <p:bldP spid="2" grpId="0"/>
+    </p:bldLst>
+  </p:timing>
 </p:sld>
 </file>
 
@@ -5532,6 +6293,123 @@
       </p:sp>
       <p:sp>
         <p:nvSpPr>
+          <p:cNvPr id="75" name="椭圆 74"/>
+          <p:cNvSpPr>
+            <a:spLocks noChangeAspect="1"/>
+          </p:cNvSpPr>
+          <p:nvPr/>
+        </p:nvSpPr>
+        <p:spPr bwMode="auto">
+          <a:xfrm>
+            <a:off x="3015625" y="731199"/>
+            <a:ext cx="575900" cy="547156"/>
+          </a:xfrm>
+          <a:prstGeom prst="ellipse">
+            <a:avLst/>
+          </a:prstGeom>
+          <a:solidFill>
+            <a:srgbClr val="0D79CA"/>
+          </a:solidFill>
+          <a:ln w="9525" cap="flat" cmpd="sng" algn="ctr">
+            <a:noFill/>
+            <a:prstDash val="solid"/>
+            <a:round/>
+            <a:headEnd type="none" w="med" len="med"/>
+            <a:tailEnd type="none" w="med" len="med"/>
+          </a:ln>
+          <a:effectLst/>
+        </p:spPr>
+        <p:txBody>
+          <a:bodyPr vert="horz" wrap="square" lIns="81612" tIns="40806" rIns="81612" bIns="40806" numCol="1" rtlCol="0" anchor="t" anchorCtr="0" compatLnSpc="1"/>
+          <a:lstStyle/>
+          <a:p>
+            <a:pPr defTabSz="815975"/>
+            <a:endParaRPr lang="zh-CN" altLang="en-US" sz="1015" dirty="0">
+              <a:ea typeface="微软雅黑" panose="020B0503020204020204" pitchFamily="34" charset="-122"/>
+            </a:endParaRPr>
+          </a:p>
+        </p:txBody>
+      </p:sp>
+      <p:sp>
+        <p:nvSpPr>
+          <p:cNvPr id="76" name="椭圆 75"/>
+          <p:cNvSpPr>
+            <a:spLocks noChangeAspect="1"/>
+          </p:cNvSpPr>
+          <p:nvPr/>
+        </p:nvSpPr>
+        <p:spPr bwMode="auto">
+          <a:xfrm>
+            <a:off x="3207367" y="1435992"/>
+            <a:ext cx="575900" cy="547156"/>
+          </a:xfrm>
+          <a:prstGeom prst="ellipse">
+            <a:avLst/>
+          </a:prstGeom>
+          <a:solidFill>
+            <a:srgbClr val="0D79CA"/>
+          </a:solidFill>
+          <a:ln w="9525" cap="flat" cmpd="sng" algn="ctr">
+            <a:noFill/>
+            <a:prstDash val="solid"/>
+            <a:round/>
+            <a:headEnd type="none" w="med" len="med"/>
+            <a:tailEnd type="none" w="med" len="med"/>
+          </a:ln>
+          <a:effectLst/>
+        </p:spPr>
+        <p:txBody>
+          <a:bodyPr vert="horz" wrap="square" lIns="81612" tIns="40806" rIns="81612" bIns="40806" numCol="1" rtlCol="0" anchor="t" anchorCtr="0" compatLnSpc="1"/>
+          <a:lstStyle/>
+          <a:p>
+            <a:pPr defTabSz="815975"/>
+            <a:endParaRPr lang="zh-CN" altLang="en-US" sz="1015" dirty="0">
+              <a:ea typeface="微软雅黑" panose="020B0503020204020204" pitchFamily="34" charset="-122"/>
+            </a:endParaRPr>
+          </a:p>
+        </p:txBody>
+      </p:sp>
+      <p:sp>
+        <p:nvSpPr>
+          <p:cNvPr id="77" name="椭圆 76"/>
+          <p:cNvSpPr>
+            <a:spLocks noChangeAspect="1"/>
+          </p:cNvSpPr>
+          <p:nvPr/>
+        </p:nvSpPr>
+        <p:spPr bwMode="auto">
+          <a:xfrm>
+            <a:off x="3321386" y="2122566"/>
+            <a:ext cx="575900" cy="547156"/>
+          </a:xfrm>
+          <a:prstGeom prst="ellipse">
+            <a:avLst/>
+          </a:prstGeom>
+          <a:solidFill>
+            <a:srgbClr val="0D79CA"/>
+          </a:solidFill>
+          <a:ln w="9525" cap="flat" cmpd="sng" algn="ctr">
+            <a:noFill/>
+            <a:prstDash val="solid"/>
+            <a:round/>
+            <a:headEnd type="none" w="med" len="med"/>
+            <a:tailEnd type="none" w="med" len="med"/>
+          </a:ln>
+          <a:effectLst/>
+        </p:spPr>
+        <p:txBody>
+          <a:bodyPr vert="horz" wrap="square" lIns="81612" tIns="40806" rIns="81612" bIns="40806" numCol="1" rtlCol="0" anchor="t" anchorCtr="0" compatLnSpc="1"/>
+          <a:lstStyle/>
+          <a:p>
+            <a:pPr defTabSz="815975"/>
+            <a:endParaRPr lang="zh-CN" altLang="en-US" sz="1015" dirty="0">
+              <a:ea typeface="微软雅黑" panose="020B0503020204020204" pitchFamily="34" charset="-122"/>
+            </a:endParaRPr>
+          </a:p>
+        </p:txBody>
+      </p:sp>
+      <p:sp>
+        <p:nvSpPr>
           <p:cNvPr id="81" name="圆角矩形 80"/>
           <p:cNvSpPr/>
           <p:nvPr/>
@@ -5661,7 +6539,7 @@
         <p:spPr>
           <a:xfrm>
             <a:off x="4029898" y="815760"/>
-            <a:ext cx="3119755" cy="403860"/>
+            <a:ext cx="1343660" cy="403860"/>
           </a:xfrm>
           <a:prstGeom prst="rect">
             <a:avLst/>
@@ -5682,1118 +6560,17 @@
                 <a:latin typeface="微软雅黑" panose="020B0503020204020204" pitchFamily="34" charset="-122"/>
                 <a:ea typeface="微软雅黑" panose="020B0503020204020204" pitchFamily="34" charset="-122"/>
               </a:rPr>
-              <a:t>使用</a:t>
-            </a:r>
-            <a:r>
-              <a:rPr lang="en-US" altLang="zh-CN" sz="2100" spc="225" dirty="0">
+              <a:t>项目</a:t>
+            </a:r>
+            <a:r>
+              <a:rPr lang="zh-CN" altLang="en-US" sz="2100" spc="225" dirty="0">
                 <a:solidFill>
                   <a:schemeClr val="bg1"/>
                 </a:solidFill>
                 <a:latin typeface="微软雅黑" panose="020B0503020204020204" pitchFamily="34" charset="-122"/>
                 <a:ea typeface="微软雅黑" panose="020B0503020204020204" pitchFamily="34" charset="-122"/>
               </a:rPr>
-              <a:t>initialzr</a:t>
-            </a:r>
-            <a:r>
-              <a:rPr lang="zh-CN" altLang="en-US" sz="2100" spc="225" dirty="0">
-                <a:solidFill>
-                  <a:schemeClr val="bg1"/>
-                </a:solidFill>
-                <a:latin typeface="微软雅黑" panose="020B0503020204020204" pitchFamily="34" charset="-122"/>
-                <a:ea typeface="微软雅黑" panose="020B0503020204020204" pitchFamily="34" charset="-122"/>
-              </a:rPr>
-              <a:t>创立</a:t>
-            </a:r>
-            <a:r>
-              <a:rPr lang="zh-CN" altLang="en-US" sz="2100" spc="225" dirty="0">
-                <a:solidFill>
-                  <a:schemeClr val="bg1"/>
-                </a:solidFill>
-                <a:latin typeface="微软雅黑" panose="020B0503020204020204" pitchFamily="34" charset="-122"/>
-                <a:ea typeface="微软雅黑" panose="020B0503020204020204" pitchFamily="34" charset="-122"/>
-              </a:rPr>
-              <a:t>项目</a:t>
-            </a:r>
-            <a:endParaRPr lang="zh-CN" altLang="en-US" sz="2100" spc="225" dirty="0">
-              <a:solidFill>
-                <a:schemeClr val="bg1"/>
-              </a:solidFill>
-              <a:latin typeface="微软雅黑" panose="020B0503020204020204" pitchFamily="34" charset="-122"/>
-              <a:ea typeface="微软雅黑" panose="020B0503020204020204" pitchFamily="34" charset="-122"/>
-            </a:endParaRPr>
-          </a:p>
-        </p:txBody>
-      </p:sp>
-      <p:sp>
-        <p:nvSpPr>
-          <p:cNvPr id="88" name="TextBox 87"/>
-          <p:cNvSpPr txBox="1"/>
-          <p:nvPr/>
-        </p:nvSpPr>
-        <p:spPr>
-          <a:xfrm>
-            <a:off x="4163937" y="1509255"/>
-            <a:ext cx="2524760" cy="403860"/>
-          </a:xfrm>
-          <a:prstGeom prst="rect">
-            <a:avLst/>
-          </a:prstGeom>
-          <a:noFill/>
-        </p:spPr>
-        <p:txBody>
-          <a:bodyPr wrap="none" lIns="81612" tIns="40806" rIns="81612" bIns="40806" rtlCol="0">
-            <a:spAutoFit/>
-          </a:bodyPr>
-          <a:lstStyle/>
-          <a:p>
-            <a:r>
-              <a:rPr lang="zh-CN" altLang="en-US" sz="2100" spc="225" dirty="0">
-                <a:solidFill>
-                  <a:schemeClr val="bg1"/>
-                </a:solidFill>
-                <a:latin typeface="微软雅黑" panose="020B0503020204020204" pitchFamily="34" charset="-122"/>
-                <a:ea typeface="微软雅黑" panose="020B0503020204020204" pitchFamily="34" charset="-122"/>
-              </a:rPr>
-              <a:t>配置、开发、</a:t>
-            </a:r>
-            <a:r>
-              <a:rPr lang="zh-CN" altLang="en-US" sz="2100" spc="225" dirty="0">
-                <a:solidFill>
-                  <a:schemeClr val="bg1"/>
-                </a:solidFill>
-                <a:latin typeface="微软雅黑" panose="020B0503020204020204" pitchFamily="34" charset="-122"/>
-                <a:ea typeface="微软雅黑" panose="020B0503020204020204" pitchFamily="34" charset="-122"/>
-              </a:rPr>
-              <a:t>调试</a:t>
-            </a:r>
-            <a:endParaRPr lang="zh-CN" altLang="en-US" sz="2100" spc="225" dirty="0">
-              <a:solidFill>
-                <a:schemeClr val="bg1"/>
-              </a:solidFill>
-              <a:latin typeface="微软雅黑" panose="020B0503020204020204" pitchFamily="34" charset="-122"/>
-              <a:ea typeface="微软雅黑" panose="020B0503020204020204" pitchFamily="34" charset="-122"/>
-            </a:endParaRPr>
-          </a:p>
-        </p:txBody>
-      </p:sp>
-      <p:sp>
-        <p:nvSpPr>
-          <p:cNvPr id="89" name="TextBox 88"/>
-          <p:cNvSpPr txBox="1"/>
-          <p:nvPr/>
-        </p:nvSpPr>
-        <p:spPr>
-          <a:xfrm>
-            <a:off x="4249163" y="2202767"/>
-            <a:ext cx="2524760" cy="403860"/>
-          </a:xfrm>
-          <a:prstGeom prst="rect">
-            <a:avLst/>
-          </a:prstGeom>
-          <a:noFill/>
-        </p:spPr>
-        <p:txBody>
-          <a:bodyPr wrap="none" lIns="81612" tIns="40806" rIns="81612" bIns="40806" rtlCol="0">
-            <a:spAutoFit/>
-          </a:bodyPr>
-          <a:lstStyle/>
-          <a:p>
-            <a:r>
-              <a:rPr lang="zh-CN" altLang="en-US" sz="2100" spc="225" dirty="0">
-                <a:solidFill>
-                  <a:schemeClr val="bg1"/>
-                </a:solidFill>
-                <a:latin typeface="微软雅黑" panose="020B0503020204020204" pitchFamily="34" charset="-122"/>
-                <a:ea typeface="微软雅黑" panose="020B0503020204020204" pitchFamily="34" charset="-122"/>
-              </a:rPr>
-              <a:t>三层结构初步</a:t>
-            </a:r>
-            <a:r>
-              <a:rPr lang="zh-CN" altLang="en-US" sz="2100" spc="225" dirty="0">
-                <a:solidFill>
-                  <a:schemeClr val="bg1"/>
-                </a:solidFill>
-                <a:latin typeface="微软雅黑" panose="020B0503020204020204" pitchFamily="34" charset="-122"/>
-                <a:ea typeface="微软雅黑" panose="020B0503020204020204" pitchFamily="34" charset="-122"/>
-              </a:rPr>
-              <a:t>介绍</a:t>
-            </a:r>
-            <a:endParaRPr lang="zh-CN" altLang="en-US" sz="2100" spc="225" dirty="0">
-              <a:solidFill>
-                <a:schemeClr val="bg1"/>
-              </a:solidFill>
-              <a:latin typeface="微软雅黑" panose="020B0503020204020204" pitchFamily="34" charset="-122"/>
-              <a:ea typeface="微软雅黑" panose="020B0503020204020204" pitchFamily="34" charset="-122"/>
-            </a:endParaRPr>
-          </a:p>
-        </p:txBody>
-      </p:sp>
-    </p:spTree>
-  </p:cSld>
-  <p:clrMapOvr>
-    <a:masterClrMapping/>
-  </p:clrMapOvr>
-  <mc:AlternateContent xmlns:mc="http://schemas.openxmlformats.org/markup-compatibility/2006">
-    <mc:Choice xmlns:p14="http://schemas.microsoft.com/office/powerpoint/2010/main" Requires="p14">
-      <p:transition spd="slow" p14:dur="900">
-        <p14:warp dir="in"/>
-      </p:transition>
-    </mc:Choice>
-    <mc:Fallback>
-      <p:transition spd="slow">
-        <p:fade/>
-      </p:transition>
-    </mc:Fallback>
-  </mc:AlternateContent>
-  <p:timing>
-    <p:tnLst>
-      <p:par>
-        <p:cTn id="1" dur="indefinite" restart="never" nodeType="tmRoot">
-          <p:childTnLst>
-            <p:seq concurrent="1" nextAc="seek">
-              <p:cTn id="2" dur="indefinite" nodeType="mainSeq">
-                <p:childTnLst>
-                  <p:par>
-                    <p:cTn id="3" fill="hold">
-                      <p:stCondLst>
-                        <p:cond delay="indefinite"/>
-                        <p:cond evt="onBegin" delay="0">
-                          <p:tn val="2"/>
-                        </p:cond>
-                      </p:stCondLst>
-                      <p:childTnLst>
-                        <p:par>
-                          <p:cTn id="4" fill="hold">
-                            <p:stCondLst>
-                              <p:cond delay="0"/>
-                            </p:stCondLst>
-                            <p:childTnLst>
-                              <p:par>
-                                <p:cTn id="5" presetID="22" presetClass="entr" presetSubtype="8" fill="hold" grpId="0" nodeType="afterEffect">
-                                  <p:stCondLst>
-                                    <p:cond delay="0"/>
-                                  </p:stCondLst>
-                                  <p:childTnLst>
-                                    <p:set>
-                                      <p:cBhvr>
-                                        <p:cTn id="6" dur="1" fill="hold">
-                                          <p:stCondLst>
-                                            <p:cond delay="0"/>
-                                          </p:stCondLst>
-                                        </p:cTn>
-                                        <p:tgtEl>
-                                          <p:spTgt spid="73"/>
-                                        </p:tgtEl>
-                                        <p:attrNameLst>
-                                          <p:attrName>style.visibility</p:attrName>
-                                        </p:attrNameLst>
-                                      </p:cBhvr>
-                                      <p:to>
-                                        <p:strVal val="visible"/>
-                                      </p:to>
-                                    </p:set>
-                                    <p:animEffect transition="in" filter="wipe(left)">
-                                      <p:cBhvr>
-                                        <p:cTn id="7" dur="500"/>
-                                        <p:tgtEl>
-                                          <p:spTgt spid="73"/>
-                                        </p:tgtEl>
-                                      </p:cBhvr>
-                                    </p:animEffect>
-                                  </p:childTnLst>
-                                </p:cTn>
-                              </p:par>
-                            </p:childTnLst>
-                          </p:cTn>
-                        </p:par>
-                        <p:par>
-                          <p:cTn id="8" fill="hold">
-                            <p:stCondLst>
-                              <p:cond delay="500"/>
-                            </p:stCondLst>
-                            <p:childTnLst>
-                              <p:par>
-                                <p:cTn id="9" presetID="22" presetClass="entr" presetSubtype="8" fill="hold" grpId="0" nodeType="afterEffect">
-                                  <p:stCondLst>
-                                    <p:cond delay="0"/>
-                                  </p:stCondLst>
-                                  <p:childTnLst>
-                                    <p:set>
-                                      <p:cBhvr>
-                                        <p:cTn id="10" dur="1" fill="hold">
-                                          <p:stCondLst>
-                                            <p:cond delay="0"/>
-                                          </p:stCondLst>
-                                        </p:cTn>
-                                        <p:tgtEl>
-                                          <p:spTgt spid="72"/>
-                                        </p:tgtEl>
-                                        <p:attrNameLst>
-                                          <p:attrName>style.visibility</p:attrName>
-                                        </p:attrNameLst>
-                                      </p:cBhvr>
-                                      <p:to>
-                                        <p:strVal val="visible"/>
-                                      </p:to>
-                                    </p:set>
-                                    <p:animEffect transition="in" filter="wipe(left)">
-                                      <p:cBhvr>
-                                        <p:cTn id="11" dur="500"/>
-                                        <p:tgtEl>
-                                          <p:spTgt spid="72"/>
-                                        </p:tgtEl>
-                                      </p:cBhvr>
-                                    </p:animEffect>
-                                  </p:childTnLst>
-                                </p:cTn>
-                              </p:par>
-                            </p:childTnLst>
-                          </p:cTn>
-                        </p:par>
-                        <p:par>
-                          <p:cTn id="12" fill="hold">
-                            <p:stCondLst>
-                              <p:cond delay="1000"/>
-                            </p:stCondLst>
-                            <p:childTnLst>
-                              <p:par>
-                                <p:cTn id="13" presetID="22" presetClass="entr" presetSubtype="1" fill="hold" grpId="0" nodeType="afterEffect">
-                                  <p:stCondLst>
-                                    <p:cond delay="0"/>
-                                  </p:stCondLst>
-                                  <p:childTnLst>
-                                    <p:set>
-                                      <p:cBhvr>
-                                        <p:cTn id="14" dur="1" fill="hold">
-                                          <p:stCondLst>
-                                            <p:cond delay="0"/>
-                                          </p:stCondLst>
-                                        </p:cTn>
-                                        <p:tgtEl>
-                                          <p:spTgt spid="74"/>
-                                        </p:tgtEl>
-                                        <p:attrNameLst>
-                                          <p:attrName>style.visibility</p:attrName>
-                                        </p:attrNameLst>
-                                      </p:cBhvr>
-                                      <p:to>
-                                        <p:strVal val="visible"/>
-                                      </p:to>
-                                    </p:set>
-                                    <p:animEffect transition="in" filter="wipe(up)">
-                                      <p:cBhvr>
-                                        <p:cTn id="15" dur="1000"/>
-                                        <p:tgtEl>
-                                          <p:spTgt spid="74"/>
-                                        </p:tgtEl>
-                                      </p:cBhvr>
-                                    </p:animEffect>
-                                  </p:childTnLst>
-                                </p:cTn>
-                              </p:par>
-                            </p:childTnLst>
-                          </p:cTn>
-                        </p:par>
-                        <p:par>
-                          <p:cTn id="16" fill="hold">
-                            <p:stCondLst>
-                              <p:cond delay="2000"/>
-                            </p:stCondLst>
-                            <p:childTnLst>
-                              <p:par>
-                                <p:cTn id="17" presetID="22" presetClass="entr" presetSubtype="8" fill="hold" grpId="0" nodeType="afterEffect">
-                                  <p:stCondLst>
-                                    <p:cond delay="0"/>
-                                  </p:stCondLst>
-                                  <p:childTnLst>
-                                    <p:set>
-                                      <p:cBhvr>
-                                        <p:cTn id="18" dur="1" fill="hold">
-                                          <p:stCondLst>
-                                            <p:cond delay="0"/>
-                                          </p:stCondLst>
-                                        </p:cTn>
-                                        <p:tgtEl>
-                                          <p:spTgt spid="81"/>
-                                        </p:tgtEl>
-                                        <p:attrNameLst>
-                                          <p:attrName>style.visibility</p:attrName>
-                                        </p:attrNameLst>
-                                      </p:cBhvr>
-                                      <p:to>
-                                        <p:strVal val="visible"/>
-                                      </p:to>
-                                    </p:set>
-                                    <p:animEffect transition="in" filter="wipe(left)">
-                                      <p:cBhvr>
-                                        <p:cTn id="19" dur="500"/>
-                                        <p:tgtEl>
-                                          <p:spTgt spid="81"/>
-                                        </p:tgtEl>
-                                      </p:cBhvr>
-                                    </p:animEffect>
-                                  </p:childTnLst>
-                                </p:cTn>
-                              </p:par>
-                              <p:par>
-                                <p:cTn id="20" presetID="22" presetClass="entr" presetSubtype="8" fill="hold" grpId="0" nodeType="withEffect">
-                                  <p:stCondLst>
-                                    <p:cond delay="0"/>
-                                  </p:stCondLst>
-                                  <p:childTnLst>
-                                    <p:set>
-                                      <p:cBhvr>
-                                        <p:cTn id="21" dur="1" fill="hold">
-                                          <p:stCondLst>
-                                            <p:cond delay="0"/>
-                                          </p:stCondLst>
-                                        </p:cTn>
-                                        <p:tgtEl>
-                                          <p:spTgt spid="87"/>
-                                        </p:tgtEl>
-                                        <p:attrNameLst>
-                                          <p:attrName>style.visibility</p:attrName>
-                                        </p:attrNameLst>
-                                      </p:cBhvr>
-                                      <p:to>
-                                        <p:strVal val="visible"/>
-                                      </p:to>
-                                    </p:set>
-                                    <p:animEffect transition="in" filter="wipe(left)">
-                                      <p:cBhvr>
-                                        <p:cTn id="22" dur="500"/>
-                                        <p:tgtEl>
-                                          <p:spTgt spid="87"/>
-                                        </p:tgtEl>
-                                      </p:cBhvr>
-                                    </p:animEffect>
-                                  </p:childTnLst>
-                                </p:cTn>
-                              </p:par>
-                            </p:childTnLst>
-                          </p:cTn>
-                        </p:par>
-                        <p:par>
-                          <p:cTn id="23" fill="hold">
-                            <p:stCondLst>
-                              <p:cond delay="2500"/>
-                            </p:stCondLst>
-                            <p:childTnLst>
-                              <p:par>
-                                <p:cTn id="24" presetID="22" presetClass="entr" presetSubtype="8" fill="hold" grpId="0" nodeType="afterEffect">
-                                  <p:stCondLst>
-                                    <p:cond delay="0"/>
-                                  </p:stCondLst>
-                                  <p:childTnLst>
-                                    <p:set>
-                                      <p:cBhvr>
-                                        <p:cTn id="25" dur="1" fill="hold">
-                                          <p:stCondLst>
-                                            <p:cond delay="0"/>
-                                          </p:stCondLst>
-                                        </p:cTn>
-                                        <p:tgtEl>
-                                          <p:spTgt spid="88"/>
-                                        </p:tgtEl>
-                                        <p:attrNameLst>
-                                          <p:attrName>style.visibility</p:attrName>
-                                        </p:attrNameLst>
-                                      </p:cBhvr>
-                                      <p:to>
-                                        <p:strVal val="visible"/>
-                                      </p:to>
-                                    </p:set>
-                                    <p:animEffect transition="in" filter="wipe(left)">
-                                      <p:cBhvr>
-                                        <p:cTn id="26" dur="500"/>
-                                        <p:tgtEl>
-                                          <p:spTgt spid="88"/>
-                                        </p:tgtEl>
-                                      </p:cBhvr>
-                                    </p:animEffect>
-                                  </p:childTnLst>
-                                </p:cTn>
-                              </p:par>
-                              <p:par>
-                                <p:cTn id="27" presetID="22" presetClass="entr" presetSubtype="8" fill="hold" grpId="0" nodeType="withEffect">
-                                  <p:stCondLst>
-                                    <p:cond delay="0"/>
-                                  </p:stCondLst>
-                                  <p:childTnLst>
-                                    <p:set>
-                                      <p:cBhvr>
-                                        <p:cTn id="28" dur="1" fill="hold">
-                                          <p:stCondLst>
-                                            <p:cond delay="0"/>
-                                          </p:stCondLst>
-                                        </p:cTn>
-                                        <p:tgtEl>
-                                          <p:spTgt spid="82"/>
-                                        </p:tgtEl>
-                                        <p:attrNameLst>
-                                          <p:attrName>style.visibility</p:attrName>
-                                        </p:attrNameLst>
-                                      </p:cBhvr>
-                                      <p:to>
-                                        <p:strVal val="visible"/>
-                                      </p:to>
-                                    </p:set>
-                                    <p:animEffect transition="in" filter="wipe(left)">
-                                      <p:cBhvr>
-                                        <p:cTn id="29" dur="500"/>
-                                        <p:tgtEl>
-                                          <p:spTgt spid="82"/>
-                                        </p:tgtEl>
-                                      </p:cBhvr>
-                                    </p:animEffect>
-                                  </p:childTnLst>
-                                </p:cTn>
-                              </p:par>
-                            </p:childTnLst>
-                          </p:cTn>
-                        </p:par>
-                        <p:par>
-                          <p:cTn id="30" fill="hold">
-                            <p:stCondLst>
-                              <p:cond delay="3000"/>
-                            </p:stCondLst>
-                            <p:childTnLst>
-                              <p:par>
-                                <p:cTn id="31" presetID="22" presetClass="entr" presetSubtype="8" fill="hold" grpId="0" nodeType="afterEffect">
-                                  <p:stCondLst>
-                                    <p:cond delay="0"/>
-                                  </p:stCondLst>
-                                  <p:childTnLst>
-                                    <p:set>
-                                      <p:cBhvr>
-                                        <p:cTn id="32" dur="1" fill="hold">
-                                          <p:stCondLst>
-                                            <p:cond delay="0"/>
-                                          </p:stCondLst>
-                                        </p:cTn>
-                                        <p:tgtEl>
-                                          <p:spTgt spid="89"/>
-                                        </p:tgtEl>
-                                        <p:attrNameLst>
-                                          <p:attrName>style.visibility</p:attrName>
-                                        </p:attrNameLst>
-                                      </p:cBhvr>
-                                      <p:to>
-                                        <p:strVal val="visible"/>
-                                      </p:to>
-                                    </p:set>
-                                    <p:animEffect transition="in" filter="wipe(left)">
-                                      <p:cBhvr>
-                                        <p:cTn id="33" dur="500"/>
-                                        <p:tgtEl>
-                                          <p:spTgt spid="89"/>
-                                        </p:tgtEl>
-                                      </p:cBhvr>
-                                    </p:animEffect>
-                                  </p:childTnLst>
-                                </p:cTn>
-                              </p:par>
-                              <p:par>
-                                <p:cTn id="34" presetID="22" presetClass="entr" presetSubtype="8" fill="hold" grpId="0" nodeType="withEffect">
-                                  <p:stCondLst>
-                                    <p:cond delay="0"/>
-                                  </p:stCondLst>
-                                  <p:childTnLst>
-                                    <p:set>
-                                      <p:cBhvr>
-                                        <p:cTn id="35" dur="1" fill="hold">
-                                          <p:stCondLst>
-                                            <p:cond delay="0"/>
-                                          </p:stCondLst>
-                                        </p:cTn>
-                                        <p:tgtEl>
-                                          <p:spTgt spid="83"/>
-                                        </p:tgtEl>
-                                        <p:attrNameLst>
-                                          <p:attrName>style.visibility</p:attrName>
-                                        </p:attrNameLst>
-                                      </p:cBhvr>
-                                      <p:to>
-                                        <p:strVal val="visible"/>
-                                      </p:to>
-                                    </p:set>
-                                    <p:animEffect transition="in" filter="wipe(left)">
-                                      <p:cBhvr>
-                                        <p:cTn id="36" dur="500"/>
-                                        <p:tgtEl>
-                                          <p:spTgt spid="83"/>
-                                        </p:tgtEl>
-                                      </p:cBhvr>
-                                    </p:animEffect>
-                                  </p:childTnLst>
-                                </p:cTn>
-                              </p:par>
-                            </p:childTnLst>
-                          </p:cTn>
-                        </p:par>
-                      </p:childTnLst>
-                    </p:cTn>
-                  </p:par>
-                </p:childTnLst>
-              </p:cTn>
-              <p:prevCondLst>
-                <p:cond evt="onPrev" delay="0">
-                  <p:tgtEl>
-                    <p:sldTgt/>
-                  </p:tgtEl>
-                </p:cond>
-              </p:prevCondLst>
-              <p:nextCondLst>
-                <p:cond evt="onNext" delay="0">
-                  <p:tgtEl>
-                    <p:sldTgt/>
-                  </p:tgtEl>
-                </p:cond>
-              </p:nextCondLst>
-            </p:seq>
-          </p:childTnLst>
-        </p:cTn>
-      </p:par>
-    </p:tnLst>
-    <p:bldLst>
-      <p:bldP spid="72" grpId="0" animBg="1"/>
-      <p:bldP spid="73" grpId="0" animBg="1"/>
-      <p:bldP spid="74" grpId="0" animBg="1"/>
-      <p:bldP spid="81" grpId="0" bldLvl="0" animBg="1"/>
-      <p:bldP spid="82" grpId="0" bldLvl="0" animBg="1"/>
-      <p:bldP spid="83" grpId="0" bldLvl="0" animBg="1"/>
-      <p:bldP spid="87" grpId="0"/>
-      <p:bldP spid="88" grpId="0"/>
-      <p:bldP spid="89" grpId="0"/>
-    </p:bldLst>
-  </p:timing>
-</p:sld>
-</file>
-
-<file path=ppt/slides/slide4.xml><?xml version="1.0" encoding="utf-8"?>
-<p:sld xmlns:a="http://schemas.openxmlformats.org/drawingml/2006/main" xmlns:r="http://schemas.openxmlformats.org/officeDocument/2006/relationships" xmlns:p="http://schemas.openxmlformats.org/presentationml/2006/main">
-  <p:cSld>
-    <p:spTree>
-      <p:nvGrpSpPr>
-        <p:cNvPr id="1" name=""/>
-        <p:cNvGrpSpPr/>
-        <p:nvPr/>
-      </p:nvGrpSpPr>
-      <p:grpSpPr>
-        <a:xfrm>
-          <a:off x="0" y="0"/>
-          <a:ext cx="0" cy="0"/>
-          <a:chOff x="0" y="0"/>
-          <a:chExt cx="0" cy="0"/>
-        </a:xfrm>
-      </p:grpSpPr>
-      <p:sp>
-        <p:nvSpPr>
-          <p:cNvPr id="72" name="Rectangle 12"/>
-          <p:cNvSpPr>
-            <a:spLocks noChangeArrowheads="1"/>
-          </p:cNvSpPr>
-          <p:nvPr/>
-        </p:nvSpPr>
-        <p:spPr bwMode="auto">
-          <a:xfrm>
-            <a:off x="8247687" y="1357882"/>
-            <a:ext cx="900230" cy="2094131"/>
-          </a:xfrm>
-          <a:prstGeom prst="rect">
-            <a:avLst/>
-          </a:prstGeom>
-          <a:solidFill>
-            <a:srgbClr val="0D79CA"/>
-          </a:solidFill>
-          <a:ln>
-            <a:noFill/>
-          </a:ln>
-        </p:spPr>
-        <p:txBody>
-          <a:bodyPr vert="horz" wrap="square" lIns="81612" tIns="40806" rIns="81612" bIns="40806" numCol="1" anchor="t" anchorCtr="0" compatLnSpc="1"/>
-          <a:lstStyle/>
-          <a:p>
-            <a:endParaRPr lang="zh-CN" altLang="en-US" sz="1015" dirty="0">
-              <a:ea typeface="微软雅黑" panose="020B0503020204020204" pitchFamily="34" charset="-122"/>
-            </a:endParaRPr>
-          </a:p>
-        </p:txBody>
-      </p:sp>
-      <p:sp>
-        <p:nvSpPr>
-          <p:cNvPr id="73" name="Freeform 13"/>
-          <p:cNvSpPr/>
-          <p:nvPr/>
-        </p:nvSpPr>
-        <p:spPr bwMode="auto">
-          <a:xfrm>
-            <a:off x="1" y="1357883"/>
-            <a:ext cx="1461752" cy="2094131"/>
-          </a:xfrm>
-          <a:custGeom>
-            <a:avLst/>
-            <a:gdLst>
-              <a:gd name="T0" fmla="*/ 2055 w 2055"/>
-              <a:gd name="T1" fmla="*/ 3548 h 3548"/>
-              <a:gd name="T2" fmla="*/ 0 w 2055"/>
-              <a:gd name="T3" fmla="*/ 3548 h 3548"/>
-              <a:gd name="T4" fmla="*/ 0 w 2055"/>
-              <a:gd name="T5" fmla="*/ 0 h 3548"/>
-              <a:gd name="T6" fmla="*/ 2055 w 2055"/>
-              <a:gd name="T7" fmla="*/ 0 h 3548"/>
-              <a:gd name="T8" fmla="*/ 959 w 2055"/>
-              <a:gd name="T9" fmla="*/ 1774 h 3548"/>
-              <a:gd name="T10" fmla="*/ 2055 w 2055"/>
-              <a:gd name="T11" fmla="*/ 3548 h 3548"/>
-            </a:gdLst>
-            <a:ahLst/>
-            <a:cxnLst>
-              <a:cxn ang="0">
-                <a:pos x="T0" y="T1"/>
-              </a:cxn>
-              <a:cxn ang="0">
-                <a:pos x="T2" y="T3"/>
-              </a:cxn>
-              <a:cxn ang="0">
-                <a:pos x="T4" y="T5"/>
-              </a:cxn>
-              <a:cxn ang="0">
-                <a:pos x="T6" y="T7"/>
-              </a:cxn>
-              <a:cxn ang="0">
-                <a:pos x="T8" y="T9"/>
-              </a:cxn>
-              <a:cxn ang="0">
-                <a:pos x="T10" y="T11"/>
-              </a:cxn>
-            </a:cxnLst>
-            <a:rect l="0" t="0" r="r" b="b"/>
-            <a:pathLst>
-              <a:path w="2055" h="3548">
-                <a:moveTo>
-                  <a:pt x="2055" y="3548"/>
-                </a:moveTo>
-                <a:lnTo>
-                  <a:pt x="0" y="3548"/>
-                </a:lnTo>
-                <a:lnTo>
-                  <a:pt x="0" y="0"/>
-                </a:lnTo>
-                <a:lnTo>
-                  <a:pt x="2055" y="0"/>
-                </a:lnTo>
-                <a:cubicBezTo>
-                  <a:pt x="1407" y="317"/>
-                  <a:pt x="959" y="992"/>
-                  <a:pt x="959" y="1774"/>
-                </a:cubicBezTo>
-                <a:cubicBezTo>
-                  <a:pt x="959" y="2555"/>
-                  <a:pt x="1407" y="3231"/>
-                  <a:pt x="2055" y="3548"/>
-                </a:cubicBezTo>
-                <a:close/>
-              </a:path>
-            </a:pathLst>
-          </a:custGeom>
-          <a:solidFill>
-            <a:srgbClr val="0D79CA"/>
-          </a:solidFill>
-          <a:ln>
-            <a:noFill/>
-          </a:ln>
-        </p:spPr>
-        <p:txBody>
-          <a:bodyPr vert="horz" wrap="square" lIns="81612" tIns="40806" rIns="81612" bIns="40806" numCol="1" anchor="t" anchorCtr="0" compatLnSpc="1"/>
-          <a:lstStyle/>
-          <a:p>
-            <a:endParaRPr lang="zh-CN" altLang="en-US" sz="1015" dirty="0">
-              <a:ea typeface="微软雅黑" panose="020B0503020204020204" pitchFamily="34" charset="-122"/>
-            </a:endParaRPr>
-          </a:p>
-        </p:txBody>
-      </p:sp>
-      <p:sp>
-        <p:nvSpPr>
-          <p:cNvPr id="74" name="Freeform 19"/>
-          <p:cNvSpPr/>
-          <p:nvPr/>
-        </p:nvSpPr>
-        <p:spPr bwMode="auto">
-          <a:xfrm>
-            <a:off x="2585719" y="-58496"/>
-            <a:ext cx="1029373" cy="5188527"/>
-          </a:xfrm>
-          <a:custGeom>
-            <a:avLst/>
-            <a:gdLst>
-              <a:gd name="T0" fmla="*/ 0 w 1703"/>
-              <a:gd name="T1" fmla="*/ 0 h 9079"/>
-              <a:gd name="T2" fmla="*/ 1703 w 1703"/>
-              <a:gd name="T3" fmla="*/ 4539 h 9079"/>
-              <a:gd name="T4" fmla="*/ 0 w 1703"/>
-              <a:gd name="T5" fmla="*/ 9079 h 9079"/>
-            </a:gdLst>
-            <a:ahLst/>
-            <a:cxnLst>
-              <a:cxn ang="0">
-                <a:pos x="T0" y="T1"/>
-              </a:cxn>
-              <a:cxn ang="0">
-                <a:pos x="T2" y="T3"/>
-              </a:cxn>
-              <a:cxn ang="0">
-                <a:pos x="T4" y="T5"/>
-              </a:cxn>
-            </a:cxnLst>
-            <a:rect l="0" t="0" r="r" b="b"/>
-            <a:pathLst>
-              <a:path w="1703" h="9079">
-                <a:moveTo>
-                  <a:pt x="0" y="0"/>
-                </a:moveTo>
-                <a:cubicBezTo>
-                  <a:pt x="1060" y="1213"/>
-                  <a:pt x="1703" y="2801"/>
-                  <a:pt x="1703" y="4539"/>
-                </a:cubicBezTo>
-                <a:cubicBezTo>
-                  <a:pt x="1703" y="6277"/>
-                  <a:pt x="1060" y="7865"/>
-                  <a:pt x="0" y="9079"/>
-                </a:cubicBezTo>
-              </a:path>
-            </a:pathLst>
-          </a:custGeom>
-          <a:noFill/>
-          <a:ln w="19050" cap="flat">
-            <a:solidFill>
-              <a:schemeClr val="bg1"/>
-            </a:solidFill>
-            <a:prstDash val="dash"/>
-            <a:miter lim="800000"/>
-          </a:ln>
-          <a:extLst>
-            <a:ext uri="{909E8E84-426E-40DD-AFC4-6F175D3DCCD1}">
-              <a14:hiddenFill xmlns:a14="http://schemas.microsoft.com/office/drawing/2010/main">
-                <a:solidFill>
-                  <a:srgbClr val="FFFFFF"/>
-                </a:solidFill>
-              </a14:hiddenFill>
-            </a:ext>
-          </a:extLst>
-        </p:spPr>
-        <p:txBody>
-          <a:bodyPr vert="horz" wrap="square" lIns="81612" tIns="40806" rIns="81612" bIns="40806" numCol="1" anchor="t" anchorCtr="0" compatLnSpc="1"/>
-          <a:lstStyle/>
-          <a:p>
-            <a:endParaRPr lang="zh-CN" altLang="en-US" sz="1015" dirty="0">
-              <a:ea typeface="微软雅黑" panose="020B0503020204020204" pitchFamily="34" charset="-122"/>
-            </a:endParaRPr>
-          </a:p>
-        </p:txBody>
-      </p:sp>
-      <p:sp>
-        <p:nvSpPr>
-          <p:cNvPr id="75" name="椭圆 74"/>
-          <p:cNvSpPr>
-            <a:spLocks noChangeAspect="1"/>
-          </p:cNvSpPr>
-          <p:nvPr/>
-        </p:nvSpPr>
-        <p:spPr bwMode="auto">
-          <a:xfrm>
-            <a:off x="3015625" y="731199"/>
-            <a:ext cx="575900" cy="547156"/>
-          </a:xfrm>
-          <a:prstGeom prst="ellipse">
-            <a:avLst/>
-          </a:prstGeom>
-          <a:solidFill>
-            <a:srgbClr val="0D79CA"/>
-          </a:solidFill>
-          <a:ln w="9525" cap="flat" cmpd="sng" algn="ctr">
-            <a:noFill/>
-            <a:prstDash val="solid"/>
-            <a:round/>
-            <a:headEnd type="none" w="med" len="med"/>
-            <a:tailEnd type="none" w="med" len="med"/>
-          </a:ln>
-          <a:effectLst/>
-        </p:spPr>
-        <p:txBody>
-          <a:bodyPr vert="horz" wrap="square" lIns="81612" tIns="40806" rIns="81612" bIns="40806" numCol="1" rtlCol="0" anchor="t" anchorCtr="0" compatLnSpc="1"/>
-          <a:lstStyle/>
-          <a:p>
-            <a:pPr defTabSz="815975"/>
-            <a:endParaRPr lang="zh-CN" altLang="en-US" sz="1015" dirty="0">
-              <a:ea typeface="微软雅黑" panose="020B0503020204020204" pitchFamily="34" charset="-122"/>
-            </a:endParaRPr>
-          </a:p>
-        </p:txBody>
-      </p:sp>
-      <p:sp>
-        <p:nvSpPr>
-          <p:cNvPr id="76" name="椭圆 75"/>
-          <p:cNvSpPr>
-            <a:spLocks noChangeAspect="1"/>
-          </p:cNvSpPr>
-          <p:nvPr/>
-        </p:nvSpPr>
-        <p:spPr bwMode="auto">
-          <a:xfrm>
-            <a:off x="3207367" y="1435992"/>
-            <a:ext cx="575900" cy="547156"/>
-          </a:xfrm>
-          <a:prstGeom prst="ellipse">
-            <a:avLst/>
-          </a:prstGeom>
-          <a:solidFill>
-            <a:srgbClr val="0D79CA"/>
-          </a:solidFill>
-          <a:ln w="9525" cap="flat" cmpd="sng" algn="ctr">
-            <a:noFill/>
-            <a:prstDash val="solid"/>
-            <a:round/>
-            <a:headEnd type="none" w="med" len="med"/>
-            <a:tailEnd type="none" w="med" len="med"/>
-          </a:ln>
-          <a:effectLst/>
-        </p:spPr>
-        <p:txBody>
-          <a:bodyPr vert="horz" wrap="square" lIns="81612" tIns="40806" rIns="81612" bIns="40806" numCol="1" rtlCol="0" anchor="t" anchorCtr="0" compatLnSpc="1"/>
-          <a:lstStyle/>
-          <a:p>
-            <a:pPr defTabSz="815975"/>
-            <a:endParaRPr lang="zh-CN" altLang="en-US" sz="1015" dirty="0">
-              <a:ea typeface="微软雅黑" panose="020B0503020204020204" pitchFamily="34" charset="-122"/>
-            </a:endParaRPr>
-          </a:p>
-        </p:txBody>
-      </p:sp>
-      <p:sp>
-        <p:nvSpPr>
-          <p:cNvPr id="77" name="椭圆 76"/>
-          <p:cNvSpPr>
-            <a:spLocks noChangeAspect="1"/>
-          </p:cNvSpPr>
-          <p:nvPr/>
-        </p:nvSpPr>
-        <p:spPr bwMode="auto">
-          <a:xfrm>
-            <a:off x="3321386" y="2122566"/>
-            <a:ext cx="575900" cy="547156"/>
-          </a:xfrm>
-          <a:prstGeom prst="ellipse">
-            <a:avLst/>
-          </a:prstGeom>
-          <a:solidFill>
-            <a:srgbClr val="0D79CA"/>
-          </a:solidFill>
-          <a:ln w="9525" cap="flat" cmpd="sng" algn="ctr">
-            <a:noFill/>
-            <a:prstDash val="solid"/>
-            <a:round/>
-            <a:headEnd type="none" w="med" len="med"/>
-            <a:tailEnd type="none" w="med" len="med"/>
-          </a:ln>
-          <a:effectLst/>
-        </p:spPr>
-        <p:txBody>
-          <a:bodyPr vert="horz" wrap="square" lIns="81612" tIns="40806" rIns="81612" bIns="40806" numCol="1" rtlCol="0" anchor="t" anchorCtr="0" compatLnSpc="1"/>
-          <a:lstStyle/>
-          <a:p>
-            <a:pPr defTabSz="815975"/>
-            <a:endParaRPr lang="zh-CN" altLang="en-US" sz="1015" dirty="0">
-              <a:ea typeface="微软雅黑" panose="020B0503020204020204" pitchFamily="34" charset="-122"/>
-            </a:endParaRPr>
-          </a:p>
-        </p:txBody>
-      </p:sp>
-      <p:sp>
-        <p:nvSpPr>
-          <p:cNvPr id="81" name="圆角矩形 80"/>
-          <p:cNvSpPr/>
-          <p:nvPr/>
-        </p:nvSpPr>
-        <p:spPr bwMode="auto">
-          <a:xfrm>
-            <a:off x="3683000" y="783590"/>
-            <a:ext cx="3930650" cy="456565"/>
-          </a:xfrm>
-          <a:prstGeom prst="roundRect">
-            <a:avLst>
-              <a:gd name="adj" fmla="val 50000"/>
-            </a:avLst>
-          </a:prstGeom>
-          <a:noFill/>
-          <a:ln w="19050" cap="flat" cmpd="sng" algn="ctr">
-            <a:solidFill>
-              <a:schemeClr val="bg1"/>
-            </a:solidFill>
-            <a:prstDash val="solid"/>
-            <a:round/>
-            <a:headEnd type="none" w="med" len="med"/>
-            <a:tailEnd type="none" w="med" len="med"/>
-          </a:ln>
-          <a:effectLst/>
-        </p:spPr>
-        <p:txBody>
-          <a:bodyPr vert="horz" wrap="square" lIns="81612" tIns="40806" rIns="81612" bIns="40806" numCol="1" rtlCol="0" anchor="t" anchorCtr="0" compatLnSpc="1"/>
-          <a:lstStyle/>
-          <a:p>
-            <a:pPr defTabSz="815975"/>
-            <a:endParaRPr lang="zh-CN" altLang="en-US" sz="1015" dirty="0">
-              <a:solidFill>
-                <a:schemeClr val="bg2">
-                  <a:lumMod val="25000"/>
-                </a:schemeClr>
-              </a:solidFill>
-              <a:ea typeface="微软雅黑" panose="020B0503020204020204" pitchFamily="34" charset="-122"/>
-            </a:endParaRPr>
-          </a:p>
-        </p:txBody>
-      </p:sp>
-      <p:sp>
-        <p:nvSpPr>
-          <p:cNvPr id="82" name="圆角矩形 81"/>
-          <p:cNvSpPr/>
-          <p:nvPr/>
-        </p:nvSpPr>
-        <p:spPr bwMode="auto">
-          <a:xfrm>
-            <a:off x="3852545" y="1479550"/>
-            <a:ext cx="4017010" cy="456565"/>
-          </a:xfrm>
-          <a:prstGeom prst="roundRect">
-            <a:avLst>
-              <a:gd name="adj" fmla="val 50000"/>
-            </a:avLst>
-          </a:prstGeom>
-          <a:noFill/>
-          <a:ln w="19050" cap="flat" cmpd="sng" algn="ctr">
-            <a:solidFill>
-              <a:schemeClr val="bg1"/>
-            </a:solidFill>
-            <a:prstDash val="solid"/>
-            <a:round/>
-            <a:headEnd type="none" w="med" len="med"/>
-            <a:tailEnd type="none" w="med" len="med"/>
-          </a:ln>
-          <a:effectLst/>
-        </p:spPr>
-        <p:txBody>
-          <a:bodyPr vert="horz" wrap="square" lIns="81612" tIns="40806" rIns="81612" bIns="40806" numCol="1" rtlCol="0" anchor="t" anchorCtr="0" compatLnSpc="1"/>
-          <a:lstStyle/>
-          <a:p>
-            <a:pPr defTabSz="815975"/>
-            <a:endParaRPr lang="zh-CN" altLang="en-US" sz="1015" dirty="0">
-              <a:ea typeface="微软雅黑" panose="020B0503020204020204" pitchFamily="34" charset="-122"/>
-            </a:endParaRPr>
-          </a:p>
-        </p:txBody>
-      </p:sp>
-      <p:sp>
-        <p:nvSpPr>
-          <p:cNvPr id="83" name="圆角矩形 82"/>
-          <p:cNvSpPr/>
-          <p:nvPr/>
-        </p:nvSpPr>
-        <p:spPr bwMode="auto">
-          <a:xfrm>
-            <a:off x="3962400" y="2180590"/>
-            <a:ext cx="3617595" cy="456565"/>
-          </a:xfrm>
-          <a:prstGeom prst="roundRect">
-            <a:avLst>
-              <a:gd name="adj" fmla="val 50000"/>
-            </a:avLst>
-          </a:prstGeom>
-          <a:noFill/>
-          <a:ln w="19050" cap="flat" cmpd="sng" algn="ctr">
-            <a:solidFill>
-              <a:schemeClr val="bg1"/>
-            </a:solidFill>
-            <a:prstDash val="solid"/>
-            <a:round/>
-            <a:headEnd type="none" w="med" len="med"/>
-            <a:tailEnd type="none" w="med" len="med"/>
-          </a:ln>
-          <a:effectLst/>
-        </p:spPr>
-        <p:txBody>
-          <a:bodyPr vert="horz" wrap="square" lIns="81612" tIns="40806" rIns="81612" bIns="40806" numCol="1" rtlCol="0" anchor="t" anchorCtr="0" compatLnSpc="1"/>
-          <a:lstStyle/>
-          <a:p>
-            <a:pPr defTabSz="815975"/>
-            <a:endParaRPr lang="zh-CN" altLang="en-US" sz="1015" dirty="0">
-              <a:ea typeface="微软雅黑" panose="020B0503020204020204" pitchFamily="34" charset="-122"/>
-            </a:endParaRPr>
-          </a:p>
-        </p:txBody>
-      </p:sp>
-      <p:sp>
-        <p:nvSpPr>
-          <p:cNvPr id="87" name="TextBox 86"/>
-          <p:cNvSpPr txBox="1"/>
-          <p:nvPr/>
-        </p:nvSpPr>
-        <p:spPr>
-          <a:xfrm>
-            <a:off x="4029898" y="815760"/>
-            <a:ext cx="3119755" cy="403860"/>
-          </a:xfrm>
-          <a:prstGeom prst="rect">
-            <a:avLst/>
-          </a:prstGeom>
-          <a:noFill/>
-        </p:spPr>
-        <p:txBody>
-          <a:bodyPr wrap="none" lIns="81612" tIns="40806" rIns="81612" bIns="40806" rtlCol="0">
-            <a:spAutoFit/>
-          </a:bodyPr>
-          <a:lstStyle/>
-          <a:p>
-            <a:r>
-              <a:rPr lang="zh-CN" altLang="en-US" sz="2100" spc="225" dirty="0">
-                <a:solidFill>
-                  <a:schemeClr val="bg1"/>
-                </a:solidFill>
-                <a:latin typeface="微软雅黑" panose="020B0503020204020204" pitchFamily="34" charset="-122"/>
-                <a:ea typeface="微软雅黑" panose="020B0503020204020204" pitchFamily="34" charset="-122"/>
-              </a:rPr>
-              <a:t>使用</a:t>
-            </a:r>
-            <a:r>
-              <a:rPr lang="en-US" altLang="zh-CN" sz="2100" spc="225" dirty="0">
-                <a:solidFill>
-                  <a:schemeClr val="bg1"/>
-                </a:solidFill>
-                <a:latin typeface="微软雅黑" panose="020B0503020204020204" pitchFamily="34" charset="-122"/>
-                <a:ea typeface="微软雅黑" panose="020B0503020204020204" pitchFamily="34" charset="-122"/>
-              </a:rPr>
-              <a:t>initialzr</a:t>
-            </a:r>
-            <a:r>
-              <a:rPr lang="zh-CN" altLang="en-US" sz="2100" spc="225" dirty="0">
-                <a:solidFill>
-                  <a:schemeClr val="bg1"/>
-                </a:solidFill>
-                <a:latin typeface="微软雅黑" panose="020B0503020204020204" pitchFamily="34" charset="-122"/>
-                <a:ea typeface="微软雅黑" panose="020B0503020204020204" pitchFamily="34" charset="-122"/>
-              </a:rPr>
-              <a:t>创立</a:t>
-            </a:r>
-            <a:r>
-              <a:rPr lang="zh-CN" altLang="en-US" sz="2100" spc="225" dirty="0">
-                <a:solidFill>
-                  <a:schemeClr val="bg1"/>
-                </a:solidFill>
-                <a:latin typeface="微软雅黑" panose="020B0503020204020204" pitchFamily="34" charset="-122"/>
-                <a:ea typeface="微软雅黑" panose="020B0503020204020204" pitchFamily="34" charset="-122"/>
-              </a:rPr>
-              <a:t>项目</a:t>
+              <a:t>结构</a:t>
             </a:r>
             <a:endParaRPr lang="zh-CN" altLang="en-US" sz="2100" spc="225" dirty="0">
               <a:solidFill>
@@ -9068,7 +8845,7 @@
 </p:sld>
 </file>
 
-<file path=ppt/slides/slide5.xml><?xml version="1.0" encoding="utf-8"?>
+<file path=ppt/slides/slide4.xml><?xml version="1.0" encoding="utf-8"?>
 <p:sld xmlns:a="http://schemas.openxmlformats.org/drawingml/2006/main" xmlns:r="http://schemas.openxmlformats.org/officeDocument/2006/relationships" xmlns:p="http://schemas.openxmlformats.org/presentationml/2006/main">
   <p:cSld>
     <p:spTree>
@@ -9292,25 +9069,7 @@
                 </a:solidFill>
                 <a:sym typeface="+mn-ea"/>
               </a:rPr>
-              <a:t>使用</a:t>
-            </a:r>
-            <a:r>
-              <a:rPr lang="en-US" altLang="zh-CN" sz="2200" spc="225" dirty="0">
-                <a:solidFill>
-                  <a:schemeClr val="bg1"/>
-                </a:solidFill>
-                <a:sym typeface="+mn-ea"/>
-              </a:rPr>
-              <a:t>initialzr</a:t>
-            </a:r>
-            <a:r>
-              <a:rPr lang="zh-CN" altLang="en-US" sz="2200" spc="225" dirty="0">
-                <a:solidFill>
-                  <a:schemeClr val="bg1"/>
-                </a:solidFill>
-                <a:sym typeface="+mn-ea"/>
-              </a:rPr>
-              <a:t>创立项目</a:t>
+              <a:t>项目结构</a:t>
             </a:r>
             <a:endParaRPr lang="zh-CN" altLang="en-US" sz="2200" spc="225" dirty="0">
               <a:solidFill>
@@ -9449,7 +9208,7 @@
         <p:spPr>
           <a:xfrm>
             <a:off x="481965" y="1301750"/>
-            <a:ext cx="7190105" cy="1568450"/>
+            <a:ext cx="7190105" cy="1198880"/>
           </a:xfrm>
           <a:prstGeom prst="rect">
             <a:avLst/>
@@ -9468,99 +9227,36 @@
           <a:p>
             <a:pPr marL="800100" lvl="1" indent="-457200">
               <a:buFont typeface="Wingdings" panose="05000000000000000000" charset="0"/>
-              <a:buNone/>
+              <a:buAutoNum type="arabicPeriod"/>
             </a:pPr>
             <a:r>
-              <a:rPr lang="en-US" altLang="zh-CN" sz="2400" dirty="0">
+              <a:rPr lang="zh-CN" altLang="en-US" sz="2400" b="1" dirty="0">
                 <a:solidFill>
                   <a:schemeClr val="bg1"/>
                 </a:solidFill>
                 <a:sym typeface="+mn-ea"/>
               </a:rPr>
-              <a:t>1. </a:t>
-            </a:r>
-            <a:r>
-              <a:rPr lang="zh-CN" altLang="en-US" sz="2400" dirty="0">
+              <a:t>依赖管理：中心库、本地库、</a:t>
+            </a:r>
+            <a:r>
+              <a:rPr lang="en-US" altLang="zh-CN" sz="2400" b="1" dirty="0">
                 <a:solidFill>
                   <a:schemeClr val="bg1"/>
                 </a:solidFill>
                 <a:sym typeface="+mn-ea"/>
               </a:rPr>
-              <a:t>技术上选择</a:t>
-            </a:r>
-            <a:r>
-              <a:rPr lang="en-US" altLang="zh-CN" sz="2400" dirty="0">
+              <a:t>pom</a:t>
+            </a:r>
+            <a:r>
+              <a:rPr lang="zh-CN" altLang="en-US" sz="2400" b="1" dirty="0">
                 <a:solidFill>
                   <a:schemeClr val="bg1"/>
                 </a:solidFill>
                 <a:sym typeface="+mn-ea"/>
               </a:rPr>
-              <a:t>spring mvc</a:t>
-            </a:r>
-            <a:r>
-              <a:rPr lang="zh-CN" altLang="en-US" sz="2400" dirty="0">
-                <a:solidFill>
-                  <a:schemeClr val="bg1"/>
-                </a:solidFill>
-                <a:sym typeface="+mn-ea"/>
-              </a:rPr>
-              <a:t>框架，</a:t>
-            </a:r>
-            <a:r>
-              <a:rPr lang="en-US" altLang="zh-CN" sz="2400" dirty="0">
-                <a:solidFill>
-                  <a:schemeClr val="bg1"/>
-                </a:solidFill>
-                <a:sym typeface="+mn-ea"/>
-              </a:rPr>
-              <a:t> struts</a:t>
-            </a:r>
-            <a:r>
-              <a:rPr lang="zh-CN" altLang="en-US" sz="2400" dirty="0">
-                <a:solidFill>
-                  <a:schemeClr val="bg1"/>
-                </a:solidFill>
-                <a:sym typeface="+mn-ea"/>
-              </a:rPr>
-              <a:t>，</a:t>
-            </a:r>
-            <a:r>
-              <a:rPr lang="en-US" altLang="zh-CN" sz="2400" dirty="0">
-                <a:solidFill>
-                  <a:schemeClr val="bg1"/>
-                </a:solidFill>
-                <a:sym typeface="+mn-ea"/>
-              </a:rPr>
-              <a:t>eam</a:t>
-            </a:r>
-            <a:r>
-              <a:rPr lang="zh-CN" altLang="en-US" sz="2400" dirty="0">
-                <a:solidFill>
-                  <a:schemeClr val="bg1"/>
-                </a:solidFill>
-                <a:sym typeface="+mn-ea"/>
-              </a:rPr>
-              <a:t>。。。。</a:t>
-            </a:r>
-            <a:r>
-              <a:rPr lang="en-US" altLang="zh-CN" sz="2400" dirty="0">
-                <a:solidFill>
-                  <a:schemeClr val="bg1"/>
-                </a:solidFill>
-                <a:sym typeface="+mn-ea"/>
-              </a:rPr>
-              <a:t>spring</a:t>
-            </a:r>
-            <a:r>
-              <a:rPr lang="zh-CN" altLang="en-US" sz="2400" dirty="0">
-                <a:solidFill>
-                  <a:schemeClr val="bg1"/>
-                </a:solidFill>
-                <a:sym typeface="+mn-ea"/>
-              </a:rPr>
-              <a:t>一下独大</a:t>
-            </a:r>
-            <a:endParaRPr lang="zh-CN" altLang="en-US" sz="2400" dirty="0">
+              <a:t>文件</a:t>
+            </a:r>
+            <a:endParaRPr lang="zh-CN" altLang="en-US" sz="2400" b="1" dirty="0">
               <a:solidFill>
                 <a:schemeClr val="bg1"/>
               </a:solidFill>
@@ -9570,18 +9266,36 @@
           <a:p>
             <a:pPr marL="800100" lvl="1" indent="-457200">
               <a:buFont typeface="Wingdings" panose="05000000000000000000" charset="0"/>
-              <a:buNone/>
+              <a:buAutoNum type="arabicPeriod"/>
             </a:pPr>
             <a:r>
-              <a:rPr lang="en-US" altLang="zh-CN" sz="2400" dirty="0">
+              <a:rPr lang="zh-CN" altLang="en-US" sz="2400" spc="225" dirty="0">
                 <a:solidFill>
                   <a:schemeClr val="bg1"/>
                 </a:solidFill>
                 <a:sym typeface="+mn-ea"/>
               </a:rPr>
-              <a:t>springboot</a:t>
-            </a:r>
-            <a:endParaRPr lang="zh-CN" altLang="en-US" sz="2400" dirty="0">
+              <a:t>使用</a:t>
+            </a:r>
+            <a:r>
+              <a:rPr lang="en-US" altLang="zh-CN" sz="2400" spc="225" dirty="0">
+                <a:solidFill>
+                  <a:schemeClr val="bg1"/>
+                </a:solidFill>
+                <a:sym typeface="+mn-ea"/>
+              </a:rPr>
+              <a:t>initialzr</a:t>
+            </a:r>
+            <a:r>
+              <a:rPr lang="zh-CN" altLang="en-US" sz="2400" spc="225" dirty="0">
+                <a:solidFill>
+                  <a:schemeClr val="bg1"/>
+                </a:solidFill>
+                <a:sym typeface="+mn-ea"/>
+              </a:rPr>
+              <a:t>创立项目</a:t>
+            </a:r>
+            <a:endParaRPr lang="zh-CN" altLang="en-US" sz="2400" b="1" dirty="0">
               <a:solidFill>
                 <a:schemeClr val="bg1"/>
               </a:solidFill>
@@ -9791,667 +9505,7 @@
 </p:sld>
 </file>
 
-<file path=ppt/slides/slide6.xml><?xml version="1.0" encoding="utf-8"?>
-<p:sld xmlns:a="http://schemas.openxmlformats.org/drawingml/2006/main" xmlns:r="http://schemas.openxmlformats.org/officeDocument/2006/relationships" xmlns:p="http://schemas.openxmlformats.org/presentationml/2006/main">
-  <p:cSld>
-    <p:spTree>
-      <p:nvGrpSpPr>
-        <p:cNvPr id="1" name=""/>
-        <p:cNvGrpSpPr/>
-        <p:nvPr/>
-      </p:nvGrpSpPr>
-      <p:grpSpPr>
-        <a:xfrm>
-          <a:off x="0" y="0"/>
-          <a:ext cx="0" cy="0"/>
-          <a:chOff x="0" y="0"/>
-          <a:chExt cx="0" cy="0"/>
-        </a:xfrm>
-      </p:grpSpPr>
-      <p:sp>
-        <p:nvSpPr>
-          <p:cNvPr id="81" name="矩形 3"/>
-          <p:cNvSpPr>
-            <a:spLocks noChangeArrowheads="1"/>
-          </p:cNvSpPr>
-          <p:nvPr/>
-        </p:nvSpPr>
-        <p:spPr bwMode="auto">
-          <a:xfrm>
-            <a:off x="4060190" y="435610"/>
-            <a:ext cx="5026660" cy="1082675"/>
-          </a:xfrm>
-          <a:prstGeom prst="rect">
-            <a:avLst/>
-          </a:prstGeom>
-          <a:noFill/>
-          <a:ln>
-            <a:noFill/>
-          </a:ln>
-          <a:extLst>
-            <a:ext uri="{909E8E84-426E-40DD-AFC4-6F175D3DCCD1}">
-              <a14:hiddenFill xmlns:a14="http://schemas.microsoft.com/office/drawing/2010/main">
-                <a:solidFill>
-                  <a:srgbClr val="FFFFFF"/>
-                </a:solidFill>
-              </a14:hiddenFill>
-            </a:ext>
-            <a:ext uri="{91240B29-F687-4F45-9708-019B960494DF}">
-              <a14:hiddenLine xmlns:a14="http://schemas.microsoft.com/office/drawing/2010/main" w="9525">
-                <a:solidFill>
-                  <a:srgbClr val="000000"/>
-                </a:solidFill>
-                <a:miter lim="800000"/>
-                <a:headEnd/>
-                <a:tailEnd/>
-              </a14:hiddenLine>
-            </a:ext>
-          </a:extLst>
-        </p:spPr>
-        <p:txBody>
-          <a:bodyPr wrap="square" lIns="68573" tIns="34287" rIns="68573" bIns="34287">
-            <a:spAutoFit/>
-          </a:bodyPr>
-          <a:lstStyle>
-            <a:lvl1pPr>
-              <a:spcBef>
-                <a:spcPct val="20000"/>
-              </a:spcBef>
-              <a:buFont typeface="Arial" panose="020B0604020202020204" pitchFamily="34" charset="0"/>
-              <a:buChar char="•"/>
-              <a:defRPr sz="3200">
-                <a:solidFill>
-                  <a:schemeClr val="tx1"/>
-                </a:solidFill>
-                <a:latin typeface="微软雅黑" panose="020B0503020204020204" pitchFamily="34" charset="-122"/>
-                <a:ea typeface="微软雅黑" panose="020B0503020204020204" pitchFamily="34" charset="-122"/>
-                <a:sym typeface="Calibri" panose="020F0502020204030204" pitchFamily="34" charset="0"/>
-              </a:defRPr>
-            </a:lvl1pPr>
-            <a:lvl2pPr marL="742950" indent="-285750">
-              <a:spcBef>
-                <a:spcPct val="20000"/>
-              </a:spcBef>
-              <a:buFont typeface="Arial" panose="020B0604020202020204" pitchFamily="34" charset="0"/>
-              <a:buChar char="–"/>
-              <a:defRPr sz="2800">
-                <a:solidFill>
-                  <a:schemeClr val="tx1"/>
-                </a:solidFill>
-                <a:latin typeface="微软雅黑" panose="020B0503020204020204" pitchFamily="34" charset="-122"/>
-                <a:ea typeface="微软雅黑" panose="020B0503020204020204" pitchFamily="34" charset="-122"/>
-                <a:sym typeface="Calibri" panose="020F0502020204030204" pitchFamily="34" charset="0"/>
-              </a:defRPr>
-            </a:lvl2pPr>
-            <a:lvl3pPr marL="1143000" indent="-228600">
-              <a:spcBef>
-                <a:spcPct val="20000"/>
-              </a:spcBef>
-              <a:buFont typeface="Arial" panose="020B0604020202020204" pitchFamily="34" charset="0"/>
-              <a:buChar char="•"/>
-              <a:defRPr sz="2400">
-                <a:solidFill>
-                  <a:schemeClr val="tx1"/>
-                </a:solidFill>
-                <a:latin typeface="微软雅黑" panose="020B0503020204020204" pitchFamily="34" charset="-122"/>
-                <a:ea typeface="微软雅黑" panose="020B0503020204020204" pitchFamily="34" charset="-122"/>
-                <a:sym typeface="Calibri" panose="020F0502020204030204" pitchFamily="34" charset="0"/>
-              </a:defRPr>
-            </a:lvl3pPr>
-            <a:lvl4pPr marL="1600200" indent="-228600">
-              <a:spcBef>
-                <a:spcPct val="20000"/>
-              </a:spcBef>
-              <a:buFont typeface="Arial" panose="020B0604020202020204" pitchFamily="34" charset="0"/>
-              <a:buChar char="–"/>
-              <a:defRPr sz="2000">
-                <a:solidFill>
-                  <a:schemeClr val="tx1"/>
-                </a:solidFill>
-                <a:latin typeface="微软雅黑" panose="020B0503020204020204" pitchFamily="34" charset="-122"/>
-                <a:ea typeface="微软雅黑" panose="020B0503020204020204" pitchFamily="34" charset="-122"/>
-                <a:sym typeface="Calibri" panose="020F0502020204030204" pitchFamily="34" charset="0"/>
-              </a:defRPr>
-            </a:lvl4pPr>
-            <a:lvl5pPr marL="2057400" indent="-228600">
-              <a:spcBef>
-                <a:spcPct val="20000"/>
-              </a:spcBef>
-              <a:buFont typeface="Arial" panose="020B0604020202020204" pitchFamily="34" charset="0"/>
-              <a:buChar char="»"/>
-              <a:defRPr sz="2000">
-                <a:solidFill>
-                  <a:schemeClr val="tx1"/>
-                </a:solidFill>
-                <a:latin typeface="微软雅黑" panose="020B0503020204020204" pitchFamily="34" charset="-122"/>
-                <a:ea typeface="微软雅黑" panose="020B0503020204020204" pitchFamily="34" charset="-122"/>
-                <a:sym typeface="Calibri" panose="020F0502020204030204" pitchFamily="34" charset="0"/>
-              </a:defRPr>
-            </a:lvl5pPr>
-            <a:lvl6pPr marL="2514600" indent="-228600" eaLnBrk="0" fontAlgn="base" hangingPunct="0">
-              <a:spcBef>
-                <a:spcPct val="20000"/>
-              </a:spcBef>
-              <a:spcAft>
-                <a:spcPct val="0"/>
-              </a:spcAft>
-              <a:buFont typeface="Arial" panose="020B0604020202020204" pitchFamily="34" charset="0"/>
-              <a:buChar char="»"/>
-              <a:defRPr sz="2000">
-                <a:solidFill>
-                  <a:schemeClr val="tx1"/>
-                </a:solidFill>
-                <a:latin typeface="微软雅黑" panose="020B0503020204020204" pitchFamily="34" charset="-122"/>
-                <a:ea typeface="微软雅黑" panose="020B0503020204020204" pitchFamily="34" charset="-122"/>
-                <a:sym typeface="Calibri" panose="020F0502020204030204" pitchFamily="34" charset="0"/>
-              </a:defRPr>
-            </a:lvl6pPr>
-            <a:lvl7pPr marL="2971800" indent="-228600" eaLnBrk="0" fontAlgn="base" hangingPunct="0">
-              <a:spcBef>
-                <a:spcPct val="20000"/>
-              </a:spcBef>
-              <a:spcAft>
-                <a:spcPct val="0"/>
-              </a:spcAft>
-              <a:buFont typeface="Arial" panose="020B0604020202020204" pitchFamily="34" charset="0"/>
-              <a:buChar char="»"/>
-              <a:defRPr sz="2000">
-                <a:solidFill>
-                  <a:schemeClr val="tx1"/>
-                </a:solidFill>
-                <a:latin typeface="微软雅黑" panose="020B0503020204020204" pitchFamily="34" charset="-122"/>
-                <a:ea typeface="微软雅黑" panose="020B0503020204020204" pitchFamily="34" charset="-122"/>
-                <a:sym typeface="Calibri" panose="020F0502020204030204" pitchFamily="34" charset="0"/>
-              </a:defRPr>
-            </a:lvl7pPr>
-            <a:lvl8pPr marL="3429000" indent="-228600" eaLnBrk="0" fontAlgn="base" hangingPunct="0">
-              <a:spcBef>
-                <a:spcPct val="20000"/>
-              </a:spcBef>
-              <a:spcAft>
-                <a:spcPct val="0"/>
-              </a:spcAft>
-              <a:buFont typeface="Arial" panose="020B0604020202020204" pitchFamily="34" charset="0"/>
-              <a:buChar char="»"/>
-              <a:defRPr sz="2000">
-                <a:solidFill>
-                  <a:schemeClr val="tx1"/>
-                </a:solidFill>
-                <a:latin typeface="微软雅黑" panose="020B0503020204020204" pitchFamily="34" charset="-122"/>
-                <a:ea typeface="微软雅黑" panose="020B0503020204020204" pitchFamily="34" charset="-122"/>
-                <a:sym typeface="Calibri" panose="020F0502020204030204" pitchFamily="34" charset="0"/>
-              </a:defRPr>
-            </a:lvl8pPr>
-            <a:lvl9pPr marL="3886200" indent="-228600" eaLnBrk="0" fontAlgn="base" hangingPunct="0">
-              <a:spcBef>
-                <a:spcPct val="20000"/>
-              </a:spcBef>
-              <a:spcAft>
-                <a:spcPct val="0"/>
-              </a:spcAft>
-              <a:buFont typeface="Arial" panose="020B0604020202020204" pitchFamily="34" charset="0"/>
-              <a:buChar char="»"/>
-              <a:defRPr sz="2000">
-                <a:solidFill>
-                  <a:schemeClr val="tx1"/>
-                </a:solidFill>
-                <a:latin typeface="微软雅黑" panose="020B0503020204020204" pitchFamily="34" charset="-122"/>
-                <a:ea typeface="微软雅黑" panose="020B0503020204020204" pitchFamily="34" charset="-122"/>
-                <a:sym typeface="Calibri" panose="020F0502020204030204" pitchFamily="34" charset="0"/>
-              </a:defRPr>
-            </a:lvl9pPr>
-          </a:lstStyle>
-          <a:p>
-            <a:pPr algn="l">
-              <a:spcBef>
-                <a:spcPct val="0"/>
-              </a:spcBef>
-              <a:buNone/>
-            </a:pPr>
-            <a:r>
-              <a:rPr lang="zh-CN" altLang="en-US" sz="2200" spc="225" dirty="0">
-                <a:solidFill>
-                  <a:schemeClr val="bg1"/>
-                </a:solidFill>
-                <a:sym typeface="+mn-ea"/>
-              </a:rPr>
-              <a:t>使用</a:t>
-            </a:r>
-            <a:r>
-              <a:rPr lang="en-US" altLang="zh-CN" sz="2200" spc="225" dirty="0">
-                <a:solidFill>
-                  <a:schemeClr val="bg1"/>
-                </a:solidFill>
-                <a:sym typeface="+mn-ea"/>
-              </a:rPr>
-              <a:t>initialzr</a:t>
-            </a:r>
-            <a:r>
-              <a:rPr lang="zh-CN" altLang="en-US" sz="2200" spc="225" dirty="0">
-                <a:solidFill>
-                  <a:schemeClr val="bg1"/>
-                </a:solidFill>
-                <a:sym typeface="+mn-ea"/>
-              </a:rPr>
-              <a:t>创立项目</a:t>
-            </a:r>
-            <a:endParaRPr lang="zh-CN" altLang="en-US" sz="2200" spc="225" dirty="0">
-              <a:solidFill>
-                <a:schemeClr val="bg1"/>
-              </a:solidFill>
-              <a:latin typeface="微软雅黑" panose="020B0503020204020204" pitchFamily="34" charset="-122"/>
-              <a:ea typeface="微软雅黑" panose="020B0503020204020204" pitchFamily="34" charset="-122"/>
-            </a:endParaRPr>
-          </a:p>
-          <a:p>
-            <a:pPr algn="l">
-              <a:spcBef>
-                <a:spcPct val="0"/>
-              </a:spcBef>
-              <a:buNone/>
-            </a:pPr>
-            <a:endParaRPr lang="zh-CN" altLang="en-US" sz="2200" spc="225" dirty="0">
-              <a:solidFill>
-                <a:schemeClr val="bg1"/>
-              </a:solidFill>
-              <a:latin typeface="微软雅黑" panose="020B0503020204020204" pitchFamily="34" charset="-122"/>
-              <a:ea typeface="微软雅黑" panose="020B0503020204020204" pitchFamily="34" charset="-122"/>
-            </a:endParaRPr>
-          </a:p>
-          <a:p>
-            <a:pPr algn="l">
-              <a:spcBef>
-                <a:spcPct val="0"/>
-              </a:spcBef>
-              <a:buNone/>
-            </a:pPr>
-            <a:endParaRPr lang="zh-CN" altLang="en-US" sz="2200" dirty="0">
-              <a:solidFill>
-                <a:schemeClr val="bg1"/>
-              </a:solidFill>
-              <a:sym typeface="+mn-ea"/>
-            </a:endParaRPr>
-          </a:p>
-        </p:txBody>
-      </p:sp>
-      <p:grpSp>
-        <p:nvGrpSpPr>
-          <p:cNvPr id="82" name="组合 81"/>
-          <p:cNvGrpSpPr/>
-          <p:nvPr/>
-        </p:nvGrpSpPr>
-        <p:grpSpPr>
-          <a:xfrm>
-            <a:off x="3733172" y="476557"/>
-            <a:ext cx="197506" cy="296260"/>
-            <a:chOff x="5284519" y="1508166"/>
-            <a:chExt cx="213756" cy="427512"/>
-          </a:xfrm>
-        </p:grpSpPr>
-        <p:cxnSp>
-          <p:nvCxnSpPr>
-            <p:cNvPr id="83" name="直接连接符 82"/>
-            <p:cNvCxnSpPr/>
-            <p:nvPr/>
-          </p:nvCxnSpPr>
-          <p:spPr>
-            <a:xfrm>
-              <a:off x="5284519" y="1508166"/>
-              <a:ext cx="213756" cy="213756"/>
-            </a:xfrm>
-            <a:prstGeom prst="line">
-              <a:avLst/>
-            </a:prstGeom>
-            <a:ln w="19050">
-              <a:solidFill>
-                <a:schemeClr val="bg1"/>
-              </a:solidFill>
-              <a:headEnd type="oval" w="med" len="med"/>
-              <a:tailEnd type="oval" w="lg" len="lg"/>
-            </a:ln>
-          </p:spPr>
-          <p:style>
-            <a:lnRef idx="1">
-              <a:schemeClr val="accent1"/>
-            </a:lnRef>
-            <a:fillRef idx="0">
-              <a:schemeClr val="accent1"/>
-            </a:fillRef>
-            <a:effectRef idx="0">
-              <a:schemeClr val="accent1"/>
-            </a:effectRef>
-            <a:fontRef idx="minor">
-              <a:schemeClr val="tx1"/>
-            </a:fontRef>
-          </p:style>
-        </p:cxnSp>
-        <p:cxnSp>
-          <p:nvCxnSpPr>
-            <p:cNvPr id="84" name="直接连接符 83"/>
-            <p:cNvCxnSpPr/>
-            <p:nvPr/>
-          </p:nvCxnSpPr>
-          <p:spPr>
-            <a:xfrm flipH="1">
-              <a:off x="5284519" y="1721922"/>
-              <a:ext cx="213756" cy="213756"/>
-            </a:xfrm>
-            <a:prstGeom prst="line">
-              <a:avLst/>
-            </a:prstGeom>
-            <a:ln w="19050">
-              <a:solidFill>
-                <a:schemeClr val="bg1"/>
-              </a:solidFill>
-              <a:headEnd type="oval" w="med" len="med"/>
-              <a:tailEnd type="oval" w="lg" len="lg"/>
-            </a:ln>
-          </p:spPr>
-          <p:style>
-            <a:lnRef idx="1">
-              <a:schemeClr val="accent1"/>
-            </a:lnRef>
-            <a:fillRef idx="0">
-              <a:schemeClr val="accent1"/>
-            </a:fillRef>
-            <a:effectRef idx="0">
-              <a:schemeClr val="accent1"/>
-            </a:effectRef>
-            <a:fontRef idx="minor">
-              <a:schemeClr val="tx1"/>
-            </a:fontRef>
-          </p:style>
-        </p:cxnSp>
-      </p:grpSp>
-      <p:sp>
-        <p:nvSpPr>
-          <p:cNvPr id="93" name="TextBox 53"/>
-          <p:cNvSpPr txBox="1"/>
-          <p:nvPr/>
-        </p:nvSpPr>
-        <p:spPr>
-          <a:xfrm>
-            <a:off x="481965" y="1301750"/>
-            <a:ext cx="7190105" cy="1198880"/>
-          </a:xfrm>
-          <a:prstGeom prst="rect">
-            <a:avLst/>
-          </a:prstGeom>
-          <a:noFill/>
-          <a:ln>
-            <a:noFill/>
-            <a:prstDash val="sysDash"/>
-          </a:ln>
-        </p:spPr>
-        <p:txBody>
-          <a:bodyPr wrap="square" rtlCol="0">
-            <a:spAutoFit/>
-          </a:bodyPr>
-          <a:lstStyle/>
-          <a:p>
-            <a:pPr marL="800100" lvl="1" indent="-457200">
-              <a:buFont typeface="Wingdings" panose="05000000000000000000" charset="0"/>
-              <a:buAutoNum type="arabicPeriod"/>
-            </a:pPr>
-            <a:r>
-              <a:rPr lang="zh-CN" altLang="en-US" sz="2400" b="1" dirty="0">
-                <a:solidFill>
-                  <a:schemeClr val="bg1"/>
-                </a:solidFill>
-                <a:sym typeface="+mn-ea"/>
-              </a:rPr>
-              <a:t>依赖管理</a:t>
-            </a:r>
-            <a:endParaRPr lang="zh-CN" altLang="en-US" sz="2400" b="1" dirty="0">
-              <a:solidFill>
-                <a:schemeClr val="bg1"/>
-              </a:solidFill>
-              <a:sym typeface="+mn-ea"/>
-            </a:endParaRPr>
-          </a:p>
-          <a:p>
-            <a:pPr marL="800100" lvl="1" indent="-457200">
-              <a:buFont typeface="Wingdings" panose="05000000000000000000" charset="0"/>
-              <a:buAutoNum type="arabicPeriod"/>
-            </a:pPr>
-            <a:r>
-              <a:rPr lang="en-US" altLang="zh-CN" sz="2400" b="1" dirty="0">
-                <a:solidFill>
-                  <a:schemeClr val="bg1"/>
-                </a:solidFill>
-                <a:sym typeface="+mn-ea"/>
-              </a:rPr>
-              <a:t>maven</a:t>
-            </a:r>
-            <a:r>
-              <a:rPr lang="zh-CN" altLang="en-US" sz="2400" b="1" dirty="0">
-                <a:solidFill>
-                  <a:schemeClr val="bg1"/>
-                </a:solidFill>
-                <a:sym typeface="+mn-ea"/>
-              </a:rPr>
-              <a:t>的</a:t>
-            </a:r>
-            <a:r>
-              <a:rPr lang="zh-CN" altLang="en-US" sz="2400" b="1" dirty="0">
-                <a:solidFill>
-                  <a:schemeClr val="bg1"/>
-                </a:solidFill>
-                <a:sym typeface="+mn-ea"/>
-              </a:rPr>
-              <a:t>使用</a:t>
-            </a:r>
-            <a:endParaRPr lang="zh-CN" altLang="en-US" sz="2400" b="1" dirty="0">
-              <a:solidFill>
-                <a:schemeClr val="bg1"/>
-              </a:solidFill>
-              <a:sym typeface="+mn-ea"/>
-            </a:endParaRPr>
-          </a:p>
-          <a:p>
-            <a:pPr marL="800100" lvl="1" indent="-457200">
-              <a:buFont typeface="Wingdings" panose="05000000000000000000" charset="0"/>
-              <a:buNone/>
-            </a:pPr>
-            <a:endParaRPr lang="zh-CN" altLang="en-US" sz="2400" dirty="0">
-              <a:solidFill>
-                <a:schemeClr val="bg1"/>
-              </a:solidFill>
-              <a:sym typeface="+mn-ea"/>
-            </a:endParaRPr>
-          </a:p>
-        </p:txBody>
-      </p:sp>
-    </p:spTree>
-  </p:cSld>
-  <p:clrMapOvr>
-    <a:masterClrMapping/>
-  </p:clrMapOvr>
-  <mc:AlternateContent xmlns:mc="http://schemas.openxmlformats.org/markup-compatibility/2006">
-    <mc:Choice xmlns:p14="http://schemas.microsoft.com/office/powerpoint/2010/main" Requires="p14">
-      <p:transition spd="slow" p14:dur="1200">
-        <p14:prism/>
-      </p:transition>
-    </mc:Choice>
-    <mc:Fallback>
-      <p:transition spd="slow">
-        <p:fade/>
-      </p:transition>
-    </mc:Fallback>
-  </mc:AlternateContent>
-  <p:timing>
-    <p:tnLst>
-      <p:par>
-        <p:cTn id="1" dur="indefinite" restart="never" nodeType="tmRoot">
-          <p:childTnLst>
-            <p:seq concurrent="1" nextAc="seek">
-              <p:cTn id="2" dur="indefinite" nodeType="mainSeq">
-                <p:childTnLst>
-                  <p:par>
-                    <p:cTn id="3" fill="hold">
-                      <p:stCondLst>
-                        <p:cond delay="indefinite"/>
-                        <p:cond evt="onBegin" delay="0">
-                          <p:tn val="2"/>
-                        </p:cond>
-                      </p:stCondLst>
-                      <p:childTnLst>
-                        <p:par>
-                          <p:cTn id="4" fill="hold">
-                            <p:stCondLst>
-                              <p:cond delay="0"/>
-                            </p:stCondLst>
-                            <p:childTnLst>
-                              <p:par>
-                                <p:cTn id="5" presetID="10" presetClass="entr" presetSubtype="0" fill="hold" nodeType="afterEffect">
-                                  <p:stCondLst>
-                                    <p:cond delay="0"/>
-                                  </p:stCondLst>
-                                  <p:childTnLst>
-                                    <p:set>
-                                      <p:cBhvr>
-                                        <p:cTn id="6" dur="1" fill="hold">
-                                          <p:stCondLst>
-                                            <p:cond delay="0"/>
-                                          </p:stCondLst>
-                                        </p:cTn>
-                                        <p:tgtEl>
-                                          <p:spTgt spid="82"/>
-                                        </p:tgtEl>
-                                        <p:attrNameLst>
-                                          <p:attrName>style.visibility</p:attrName>
-                                        </p:attrNameLst>
-                                      </p:cBhvr>
-                                      <p:to>
-                                        <p:strVal val="visible"/>
-                                      </p:to>
-                                    </p:set>
-                                    <p:animEffect transition="in" filter="fade">
-                                      <p:cBhvr>
-                                        <p:cTn id="7" dur="500"/>
-                                        <p:tgtEl>
-                                          <p:spTgt spid="82"/>
-                                        </p:tgtEl>
-                                      </p:cBhvr>
-                                    </p:animEffect>
-                                  </p:childTnLst>
-                                </p:cTn>
-                              </p:par>
-                            </p:childTnLst>
-                          </p:cTn>
-                        </p:par>
-                        <p:par>
-                          <p:cTn id="8" fill="hold">
-                            <p:stCondLst>
-                              <p:cond delay="500"/>
-                            </p:stCondLst>
-                            <p:childTnLst>
-                              <p:par>
-                                <p:cTn id="9" presetID="22" presetClass="entr" presetSubtype="8" fill="hold" grpId="0" nodeType="afterEffect">
-                                  <p:stCondLst>
-                                    <p:cond delay="0"/>
-                                  </p:stCondLst>
-                                  <p:childTnLst>
-                                    <p:set>
-                                      <p:cBhvr>
-                                        <p:cTn id="10" dur="1" fill="hold">
-                                          <p:stCondLst>
-                                            <p:cond delay="0"/>
-                                          </p:stCondLst>
-                                        </p:cTn>
-                                        <p:tgtEl>
-                                          <p:spTgt spid="81"/>
-                                        </p:tgtEl>
-                                        <p:attrNameLst>
-                                          <p:attrName>style.visibility</p:attrName>
-                                        </p:attrNameLst>
-                                      </p:cBhvr>
-                                      <p:to>
-                                        <p:strVal val="visible"/>
-                                      </p:to>
-                                    </p:set>
-                                    <p:animEffect transition="in" filter="wipe(left)">
-                                      <p:cBhvr>
-                                        <p:cTn id="11" dur="500"/>
-                                        <p:tgtEl>
-                                          <p:spTgt spid="81"/>
-                                        </p:tgtEl>
-                                      </p:cBhvr>
-                                    </p:animEffect>
-                                  </p:childTnLst>
-                                </p:cTn>
-                              </p:par>
-                              <p:par>
-                                <p:cTn id="12" presetID="22" presetClass="entr" presetSubtype="8" fill="hold" grpId="0" nodeType="withEffect">
-                                  <p:stCondLst>
-                                    <p:cond delay="750"/>
-                                  </p:stCondLst>
-                                  <p:childTnLst>
-                                    <p:set>
-                                      <p:cBhvr>
-                                        <p:cTn id="13" dur="1" fill="hold">
-                                          <p:stCondLst>
-                                            <p:cond delay="0"/>
-                                          </p:stCondLst>
-                                        </p:cTn>
-                                        <p:tgtEl>
-                                          <p:spTgt spid="93"/>
-                                        </p:tgtEl>
-                                        <p:attrNameLst>
-                                          <p:attrName>style.visibility</p:attrName>
-                                        </p:attrNameLst>
-                                      </p:cBhvr>
-                                      <p:to>
-                                        <p:strVal val="visible"/>
-                                      </p:to>
-                                    </p:set>
-                                    <p:animEffect transition="in" filter="wipe(left)">
-                                      <p:cBhvr>
-                                        <p:cTn id="14" dur="500"/>
-                                        <p:tgtEl>
-                                          <p:spTgt spid="93"/>
-                                        </p:tgtEl>
-                                      </p:cBhvr>
-                                    </p:animEffect>
-                                  </p:childTnLst>
-                                </p:cTn>
-                              </p:par>
-                            </p:childTnLst>
-                          </p:cTn>
-                        </p:par>
-                      </p:childTnLst>
-                    </p:cTn>
-                  </p:par>
-                </p:childTnLst>
-              </p:cTn>
-              <p:prevCondLst>
-                <p:cond evt="onPrev" delay="0">
-                  <p:tgtEl>
-                    <p:sldTgt/>
-                  </p:tgtEl>
-                </p:cond>
-              </p:prevCondLst>
-              <p:nextCondLst>
-                <p:cond evt="onNext" delay="0">
-                  <p:tgtEl>
-                    <p:sldTgt/>
-                  </p:tgtEl>
-                </p:cond>
-              </p:nextCondLst>
-            </p:seq>
-          </p:childTnLst>
-        </p:cTn>
-      </p:par>
-    </p:tnLst>
-    <p:bldLst>
-      <p:bldP spid="81" grpId="0"/>
-      <p:bldP spid="93" grpId="0"/>
-    </p:bldLst>
-  </p:timing>
-</p:sld>
-</file>
-
-<file path=ppt/slides/slide7.xml><?xml version="1.0" encoding="utf-8"?>
+<file path=ppt/slides/slide5.xml><?xml version="1.0" encoding="utf-8"?>
 <p:sld xmlns:a="http://schemas.openxmlformats.org/drawingml/2006/main" xmlns:r="http://schemas.openxmlformats.org/officeDocument/2006/relationships" xmlns:p="http://schemas.openxmlformats.org/presentationml/2006/main">
   <p:cSld>
     <p:spTree>
@@ -11360,7 +10414,7 @@
 </p:sld>
 </file>
 
-<file path=ppt/slides/slide8.xml><?xml version="1.0" encoding="utf-8"?>
+<file path=ppt/slides/slide6.xml><?xml version="1.0" encoding="utf-8"?>
 <p:sld xmlns:a="http://schemas.openxmlformats.org/drawingml/2006/main" xmlns:r="http://schemas.openxmlformats.org/officeDocument/2006/relationships" xmlns:p="http://schemas.openxmlformats.org/presentationml/2006/main">
   <p:cSld>
     <p:spTree>
@@ -12172,7 +11226,7 @@
 </p:sld>
 </file>
 
-<file path=ppt/slides/slide9.xml><?xml version="1.0" encoding="utf-8"?>
+<file path=ppt/slides/slide7.xml><?xml version="1.0" encoding="utf-8"?>
 <p:sld xmlns:a="http://schemas.openxmlformats.org/drawingml/2006/main" xmlns:r="http://schemas.openxmlformats.org/officeDocument/2006/relationships" xmlns:p="http://schemas.openxmlformats.org/presentationml/2006/main">
   <p:cSld>
     <p:spTree>
